--- a/Zwischenpräsentation/Zwischenpräsentation_11.05.2020.pptx
+++ b/Zwischenpräsentation/Zwischenpräsentation_11.05.2020.pptx
@@ -262,7 +262,7 @@
       <p15:sldGuideLst xmlns:p15="http://schemas.microsoft.com/office/powerpoint/2012/main"/>
     </p:ext>
     <p:ext uri="http://customooxmlschemas.google.com/">
-      <go:slidesCustomData xmlns="" xmlns:mc="http://schemas.openxmlformats.org/markup-compatibility/2006" xmlns:mv="urn:schemas-microsoft-com:mac:vml" xmlns:c="http://schemas.openxmlformats.org/drawingml/2006/chart" xmlns:dgm="http://schemas.openxmlformats.org/drawingml/2006/diagram" xmlns:o="urn:schemas-microsoft-com:office:office" xmlns:v="urn:schemas-microsoft-com:vml" xmlns:pvml="urn:schemas-microsoft-com:office:powerpoint" xmlns:com="http://schemas.openxmlformats.org/drawingml/2006/compatibility" xmlns:p14="http://schemas.microsoft.com/office/powerpoint/2010/main" xmlns:p15="http://schemas.microsoft.com/office/powerpoint/2012/main" xmlns:go="http://customooxmlschemas.google.com/" r:id="rId15" roundtripDataSignature="AMtx7mg2kd8Kfr126CV1KZaPzmcHcH5NiA=="/>
+      <go:slidesCustomData xmlns:go="http://customooxmlschemas.google.com/" xmlns:p15="http://schemas.microsoft.com/office/powerpoint/2012/main" xmlns:p14="http://schemas.microsoft.com/office/powerpoint/2010/main" xmlns:com="http://schemas.openxmlformats.org/drawingml/2006/compatibility" xmlns:pvml="urn:schemas-microsoft-com:office:powerpoint" xmlns:v="urn:schemas-microsoft-com:vml" xmlns:o="urn:schemas-microsoft-com:office:office" xmlns:dgm="http://schemas.openxmlformats.org/drawingml/2006/diagram" xmlns:c="http://schemas.openxmlformats.org/drawingml/2006/chart" xmlns:mv="urn:schemas-microsoft-com:mac:vml" xmlns:mc="http://schemas.openxmlformats.org/markup-compatibility/2006" xmlns="" r:id="rId15" roundtripDataSignature="AMtx7mg2kd8Kfr126CV1KZaPzmcHcH5NiA=="/>
     </p:ext>
   </p:extLst>
 </p:presentation>
@@ -23307,7 +23307,7 @@
           <a:graphicData uri="http://schemas.openxmlformats.org/presentationml/2006/ole">
             <mc:AlternateContent xmlns:mc="http://schemas.openxmlformats.org/markup-compatibility/2006">
               <mc:Choice xmlns:v="urn:schemas-microsoft-com:vml" Requires="v">
-                <p:oleObj spid="_x0000_s1033" name="Worksheet" r:id="rId4" imgW="8727898" imgH="2671467" progId="Excel.Sheet.12">
+                <p:oleObj spid="_x0000_s1034" name="Worksheet" r:id="rId4" imgW="8727898" imgH="2671467" progId="Excel.Sheet.12">
                   <p:embed/>
                 </p:oleObj>
               </mc:Choice>
@@ -23632,7 +23632,7 @@
 </file>
 
 <file path=ppt/slides/slide3.xml><?xml version="1.0" encoding="utf-8"?>
-<p:sld xmlns:a="http://schemas.openxmlformats.org/drawingml/2006/main" xmlns:r="http://schemas.openxmlformats.org/officeDocument/2006/relationships" xmlns:p="http://schemas.openxmlformats.org/presentationml/2006/main">
+<p:sld xmlns:a="http://schemas.openxmlformats.org/drawingml/2006/main" xmlns:r="http://schemas.openxmlformats.org/officeDocument/2006/relationships" xmlns:p="http://schemas.openxmlformats.org/presentationml/2006/main" show="0">
   <p:cSld>
     <p:spTree>
       <p:nvGrpSpPr>
@@ -24613,7 +24613,7 @@
             </a:pPr>
             <a:r>
               <a:rPr lang="de-AT" dirty="0"/>
-              <a:t>IMPLEMENTIERUNG DES FRONTENDS</a:t>
+              <a:t>IMPLEMENTIERUNG DES FRONTENDS / WEB APPLIKATION</a:t>
             </a:r>
             <a:endParaRPr dirty="0"/>
           </a:p>
@@ -25001,7 +25001,7 @@
 </file>
 
 <file path=ppt/slides/slide8.xml><?xml version="1.0" encoding="utf-8"?>
-<p:sld xmlns:a="http://schemas.openxmlformats.org/drawingml/2006/main" xmlns:r="http://schemas.openxmlformats.org/officeDocument/2006/relationships" xmlns:p="http://schemas.openxmlformats.org/presentationml/2006/main">
+<p:sld xmlns:a="http://schemas.openxmlformats.org/drawingml/2006/main" xmlns:r="http://schemas.openxmlformats.org/officeDocument/2006/relationships" xmlns:p="http://schemas.openxmlformats.org/presentationml/2006/main" show="0">
   <p:cSld>
     <p:spTree>
       <p:nvGrpSpPr>
@@ -25476,7 +25476,7 @@
             </a:pPr>
             <a:r>
               <a:rPr lang="de-DE" dirty="0"/>
-              <a:t>Finalisierung der Implementierungen</a:t>
+              <a:t>Finalisierung &amp; Bearbeitungen der Implementierungen</a:t>
             </a:r>
           </a:p>
           <a:p>

--- a/Zwischenpräsentation/Zwischenpräsentation_11.05.2020.pptx
+++ b/Zwischenpräsentation/Zwischenpräsentation_11.05.2020.pptx
@@ -5,27 +5,23 @@
     <p:sldMasterId id="2147483648" r:id="rId1"/>
   </p:sldMasterIdLst>
   <p:notesMasterIdLst>
-    <p:notesMasterId r:id="rId12"/>
+    <p:notesMasterId r:id="rId8"/>
   </p:notesMasterIdLst>
   <p:sldIdLst>
     <p:sldId id="256" r:id="rId2"/>
     <p:sldId id="257" r:id="rId3"/>
     <p:sldId id="258" r:id="rId4"/>
-    <p:sldId id="264" r:id="rId5"/>
-    <p:sldId id="260" r:id="rId6"/>
-    <p:sldId id="262" r:id="rId7"/>
-    <p:sldId id="263" r:id="rId8"/>
-    <p:sldId id="259" r:id="rId9"/>
-    <p:sldId id="265" r:id="rId10"/>
-    <p:sldId id="261" r:id="rId11"/>
+    <p:sldId id="262" r:id="rId5"/>
+    <p:sldId id="265" r:id="rId6"/>
+    <p:sldId id="261" r:id="rId7"/>
   </p:sldIdLst>
   <p:sldSz cx="9144000" cy="6858000" type="screen4x3"/>
   <p:notesSz cx="7102475" cy="10234613"/>
   <p:embeddedFontLst>
     <p:embeddedFont>
       <p:font typeface="Arial Black" panose="020B0A04020102020204" pitchFamily="34" charset="0"/>
-      <p:regular r:id="rId13"/>
-      <p:bold r:id="rId14"/>
+      <p:regular r:id="rId9"/>
+      <p:bold r:id="rId10"/>
     </p:embeddedFont>
   </p:embeddedFontLst>
   <p:defaultTextStyle>
@@ -262,7 +258,7 @@
       <p15:sldGuideLst xmlns:p15="http://schemas.microsoft.com/office/powerpoint/2012/main"/>
     </p:ext>
     <p:ext uri="http://customooxmlschemas.google.com/">
-      <go:slidesCustomData xmlns:go="http://customooxmlschemas.google.com/" xmlns:p15="http://schemas.microsoft.com/office/powerpoint/2012/main" xmlns:p14="http://schemas.microsoft.com/office/powerpoint/2010/main" xmlns:com="http://schemas.openxmlformats.org/drawingml/2006/compatibility" xmlns:pvml="urn:schemas-microsoft-com:office:powerpoint" xmlns:v="urn:schemas-microsoft-com:vml" xmlns:o="urn:schemas-microsoft-com:office:office" xmlns:dgm="http://schemas.openxmlformats.org/drawingml/2006/diagram" xmlns:c="http://schemas.openxmlformats.org/drawingml/2006/chart" xmlns:mv="urn:schemas-microsoft-com:mac:vml" xmlns:mc="http://schemas.openxmlformats.org/markup-compatibility/2006" xmlns="" r:id="rId15" roundtripDataSignature="AMtx7mg2kd8Kfr126CV1KZaPzmcHcH5NiA=="/>
+      <go:slidesCustomData xmlns="" xmlns:mc="http://schemas.openxmlformats.org/markup-compatibility/2006" xmlns:mv="urn:schemas-microsoft-com:mac:vml" xmlns:c="http://schemas.openxmlformats.org/drawingml/2006/chart" xmlns:dgm="http://schemas.openxmlformats.org/drawingml/2006/diagram" xmlns:o="urn:schemas-microsoft-com:office:office" xmlns:v="urn:schemas-microsoft-com:vml" xmlns:pvml="urn:schemas-microsoft-com:office:powerpoint" xmlns:com="http://schemas.openxmlformats.org/drawingml/2006/compatibility" xmlns:p14="http://schemas.microsoft.com/office/powerpoint/2010/main" xmlns:p15="http://schemas.microsoft.com/office/powerpoint/2012/main" xmlns:go="http://customooxmlschemas.google.com/" r:id="rId15" roundtripDataSignature="AMtx7mg2kd8Kfr126CV1KZaPzmcHcH5NiA=="/>
     </p:ext>
   </p:extLst>
 </p:presentation>
@@ -1565,110 +1561,6 @@
 </p:notes>
 </file>
 
-<file path=ppt/notesSlides/notesSlide10.xml><?xml version="1.0" encoding="utf-8"?>
-<p:notes xmlns:a="http://schemas.openxmlformats.org/drawingml/2006/main" xmlns:r="http://schemas.openxmlformats.org/officeDocument/2006/relationships" xmlns:p="http://schemas.openxmlformats.org/presentationml/2006/main" showMasterSp="0" showMasterPhAnim="0">
-  <p:cSld>
-    <p:spTree>
-      <p:nvGrpSpPr>
-        <p:cNvPr id="1" name="Shape 180"/>
-        <p:cNvGrpSpPr/>
-        <p:nvPr/>
-      </p:nvGrpSpPr>
-      <p:grpSpPr>
-        <a:xfrm>
-          <a:off x="0" y="0"/>
-          <a:ext cx="0" cy="0"/>
-          <a:chOff x="0" y="0"/>
-          <a:chExt cx="0" cy="0"/>
-        </a:xfrm>
-      </p:grpSpPr>
-      <p:sp>
-        <p:nvSpPr>
-          <p:cNvPr id="181" name="Google Shape;181;p6:notes"/>
-          <p:cNvSpPr txBox="1">
-            <a:spLocks noGrp="1"/>
-          </p:cNvSpPr>
-          <p:nvPr>
-            <p:ph type="body" idx="1"/>
-          </p:nvPr>
-        </p:nvSpPr>
-        <p:spPr>
-          <a:xfrm>
-            <a:off x="709613" y="4926013"/>
-            <a:ext cx="5683250" cy="4029075"/>
-          </a:xfrm>
-          <a:prstGeom prst="rect">
-            <a:avLst/>
-          </a:prstGeom>
-        </p:spPr>
-        <p:txBody>
-          <a:bodyPr spcFirstLastPara="1" wrap="square" lIns="91425" tIns="45700" rIns="91425" bIns="45700" anchor="t" anchorCtr="0">
-            <a:noAutofit/>
-          </a:bodyPr>
-          <a:lstStyle/>
-          <a:p>
-            <a:pPr marL="0" lvl="0" indent="0" algn="l" rtl="0">
-              <a:spcBef>
-                <a:spcPts val="0"/>
-              </a:spcBef>
-              <a:spcAft>
-                <a:spcPts val="0"/>
-              </a:spcAft>
-              <a:buNone/>
-            </a:pPr>
-            <a:endParaRPr/>
-          </a:p>
-        </p:txBody>
-      </p:sp>
-      <p:sp>
-        <p:nvSpPr>
-          <p:cNvPr id="182" name="Google Shape;182;p6:notes"/>
-          <p:cNvSpPr>
-            <a:spLocks noGrp="1" noRot="1" noChangeAspect="1"/>
-          </p:cNvSpPr>
-          <p:nvPr>
-            <p:ph type="sldImg" idx="2"/>
-          </p:nvPr>
-        </p:nvSpPr>
-        <p:spPr>
-          <a:xfrm>
-            <a:off x="1247775" y="1279525"/>
-            <a:ext cx="4606925" cy="3454400"/>
-          </a:xfrm>
-          <a:custGeom>
-            <a:avLst/>
-            <a:gdLst/>
-            <a:ahLst/>
-            <a:cxnLst/>
-            <a:rect l="l" t="t" r="r" b="b"/>
-            <a:pathLst>
-              <a:path w="120000" h="120000" extrusionOk="0">
-                <a:moveTo>
-                  <a:pt x="0" y="0"/>
-                </a:moveTo>
-                <a:lnTo>
-                  <a:pt x="120000" y="0"/>
-                </a:lnTo>
-                <a:lnTo>
-                  <a:pt x="120000" y="120000"/>
-                </a:lnTo>
-                <a:lnTo>
-                  <a:pt x="0" y="120000"/>
-                </a:lnTo>
-                <a:close/>
-              </a:path>
-            </a:pathLst>
-          </a:custGeom>
-        </p:spPr>
-      </p:sp>
-    </p:spTree>
-  </p:cSld>
-  <p:clrMapOvr>
-    <a:masterClrMapping/>
-  </p:clrMapOvr>
-</p:notes>
-</file>
-
 <file path=ppt/notesSlides/notesSlide2.xml><?xml version="1.0" encoding="utf-8"?>
 <p:notes xmlns:a="http://schemas.openxmlformats.org/drawingml/2006/main" xmlns:r="http://schemas.openxmlformats.org/officeDocument/2006/relationships" xmlns:p="http://schemas.openxmlformats.org/presentationml/2006/main" showMasterSp="0" showMasterPhAnim="0">
   <p:cSld>
@@ -1976,7 +1868,7 @@
     </p:spTree>
     <p:extLst>
       <p:ext uri="{BB962C8B-B14F-4D97-AF65-F5344CB8AC3E}">
-        <p14:creationId xmlns:p14="http://schemas.microsoft.com/office/powerpoint/2010/main" val="1679964590"/>
+        <p14:creationId xmlns:p14="http://schemas.microsoft.com/office/powerpoint/2010/main" val="3176951944"/>
       </p:ext>
     </p:extLst>
   </p:cSld>
@@ -1987,432 +1879,6 @@
 </file>
 
 <file path=ppt/notesSlides/notesSlide5.xml><?xml version="1.0" encoding="utf-8"?>
-<p:notes xmlns:a="http://schemas.openxmlformats.org/drawingml/2006/main" xmlns:r="http://schemas.openxmlformats.org/officeDocument/2006/relationships" xmlns:p="http://schemas.openxmlformats.org/presentationml/2006/main" showMasterSp="0" showMasterPhAnim="0">
-  <p:cSld>
-    <p:spTree>
-      <p:nvGrpSpPr>
-        <p:cNvPr id="1" name="Shape 172"/>
-        <p:cNvGrpSpPr/>
-        <p:nvPr/>
-      </p:nvGrpSpPr>
-      <p:grpSpPr>
-        <a:xfrm>
-          <a:off x="0" y="0"/>
-          <a:ext cx="0" cy="0"/>
-          <a:chOff x="0" y="0"/>
-          <a:chExt cx="0" cy="0"/>
-        </a:xfrm>
-      </p:grpSpPr>
-      <p:sp>
-        <p:nvSpPr>
-          <p:cNvPr id="173" name="Google Shape;173;p5:notes"/>
-          <p:cNvSpPr txBox="1">
-            <a:spLocks noGrp="1"/>
-          </p:cNvSpPr>
-          <p:nvPr>
-            <p:ph type="body" idx="1"/>
-          </p:nvPr>
-        </p:nvSpPr>
-        <p:spPr>
-          <a:xfrm>
-            <a:off x="709613" y="4926013"/>
-            <a:ext cx="5683250" cy="4029075"/>
-          </a:xfrm>
-          <a:prstGeom prst="rect">
-            <a:avLst/>
-          </a:prstGeom>
-        </p:spPr>
-        <p:txBody>
-          <a:bodyPr spcFirstLastPara="1" wrap="square" lIns="91425" tIns="45700" rIns="91425" bIns="45700" anchor="t" anchorCtr="0">
-            <a:noAutofit/>
-          </a:bodyPr>
-          <a:lstStyle/>
-          <a:p>
-            <a:pPr marL="0" lvl="0" indent="0" algn="l" rtl="0">
-              <a:spcBef>
-                <a:spcPts val="0"/>
-              </a:spcBef>
-              <a:spcAft>
-                <a:spcPts val="0"/>
-              </a:spcAft>
-              <a:buNone/>
-            </a:pPr>
-            <a:endParaRPr/>
-          </a:p>
-        </p:txBody>
-      </p:sp>
-      <p:sp>
-        <p:nvSpPr>
-          <p:cNvPr id="174" name="Google Shape;174;p5:notes"/>
-          <p:cNvSpPr>
-            <a:spLocks noGrp="1" noRot="1" noChangeAspect="1"/>
-          </p:cNvSpPr>
-          <p:nvPr>
-            <p:ph type="sldImg" idx="2"/>
-          </p:nvPr>
-        </p:nvSpPr>
-        <p:spPr>
-          <a:xfrm>
-            <a:off x="1247775" y="1279525"/>
-            <a:ext cx="4606925" cy="3454400"/>
-          </a:xfrm>
-          <a:custGeom>
-            <a:avLst/>
-            <a:gdLst/>
-            <a:ahLst/>
-            <a:cxnLst/>
-            <a:rect l="l" t="t" r="r" b="b"/>
-            <a:pathLst>
-              <a:path w="120000" h="120000" extrusionOk="0">
-                <a:moveTo>
-                  <a:pt x="0" y="0"/>
-                </a:moveTo>
-                <a:lnTo>
-                  <a:pt x="120000" y="0"/>
-                </a:lnTo>
-                <a:lnTo>
-                  <a:pt x="120000" y="120000"/>
-                </a:lnTo>
-                <a:lnTo>
-                  <a:pt x="0" y="120000"/>
-                </a:lnTo>
-                <a:close/>
-              </a:path>
-            </a:pathLst>
-          </a:custGeom>
-        </p:spPr>
-      </p:sp>
-    </p:spTree>
-  </p:cSld>
-  <p:clrMapOvr>
-    <a:masterClrMapping/>
-  </p:clrMapOvr>
-</p:notes>
-</file>
-
-<file path=ppt/notesSlides/notesSlide6.xml><?xml version="1.0" encoding="utf-8"?>
-<p:notes xmlns:a="http://schemas.openxmlformats.org/drawingml/2006/main" xmlns:r="http://schemas.openxmlformats.org/officeDocument/2006/relationships" xmlns:p="http://schemas.openxmlformats.org/presentationml/2006/main" showMasterSp="0" showMasterPhAnim="0">
-  <p:cSld>
-    <p:spTree>
-      <p:nvGrpSpPr>
-        <p:cNvPr id="1" name="Shape 172"/>
-        <p:cNvGrpSpPr/>
-        <p:nvPr/>
-      </p:nvGrpSpPr>
-      <p:grpSpPr>
-        <a:xfrm>
-          <a:off x="0" y="0"/>
-          <a:ext cx="0" cy="0"/>
-          <a:chOff x="0" y="0"/>
-          <a:chExt cx="0" cy="0"/>
-        </a:xfrm>
-      </p:grpSpPr>
-      <p:sp>
-        <p:nvSpPr>
-          <p:cNvPr id="173" name="Google Shape;173;p5:notes"/>
-          <p:cNvSpPr txBox="1">
-            <a:spLocks noGrp="1"/>
-          </p:cNvSpPr>
-          <p:nvPr>
-            <p:ph type="body" idx="1"/>
-          </p:nvPr>
-        </p:nvSpPr>
-        <p:spPr>
-          <a:xfrm>
-            <a:off x="709613" y="4926013"/>
-            <a:ext cx="5683250" cy="4029075"/>
-          </a:xfrm>
-          <a:prstGeom prst="rect">
-            <a:avLst/>
-          </a:prstGeom>
-        </p:spPr>
-        <p:txBody>
-          <a:bodyPr spcFirstLastPara="1" wrap="square" lIns="91425" tIns="45700" rIns="91425" bIns="45700" anchor="t" anchorCtr="0">
-            <a:noAutofit/>
-          </a:bodyPr>
-          <a:lstStyle/>
-          <a:p>
-            <a:pPr marL="0" lvl="0" indent="0" algn="l" rtl="0">
-              <a:spcBef>
-                <a:spcPts val="0"/>
-              </a:spcBef>
-              <a:spcAft>
-                <a:spcPts val="0"/>
-              </a:spcAft>
-              <a:buNone/>
-            </a:pPr>
-            <a:endParaRPr/>
-          </a:p>
-        </p:txBody>
-      </p:sp>
-      <p:sp>
-        <p:nvSpPr>
-          <p:cNvPr id="174" name="Google Shape;174;p5:notes"/>
-          <p:cNvSpPr>
-            <a:spLocks noGrp="1" noRot="1" noChangeAspect="1"/>
-          </p:cNvSpPr>
-          <p:nvPr>
-            <p:ph type="sldImg" idx="2"/>
-          </p:nvPr>
-        </p:nvSpPr>
-        <p:spPr>
-          <a:xfrm>
-            <a:off x="1247775" y="1279525"/>
-            <a:ext cx="4606925" cy="3454400"/>
-          </a:xfrm>
-          <a:custGeom>
-            <a:avLst/>
-            <a:gdLst/>
-            <a:ahLst/>
-            <a:cxnLst/>
-            <a:rect l="l" t="t" r="r" b="b"/>
-            <a:pathLst>
-              <a:path w="120000" h="120000" extrusionOk="0">
-                <a:moveTo>
-                  <a:pt x="0" y="0"/>
-                </a:moveTo>
-                <a:lnTo>
-                  <a:pt x="120000" y="0"/>
-                </a:lnTo>
-                <a:lnTo>
-                  <a:pt x="120000" y="120000"/>
-                </a:lnTo>
-                <a:lnTo>
-                  <a:pt x="0" y="120000"/>
-                </a:lnTo>
-                <a:close/>
-              </a:path>
-            </a:pathLst>
-          </a:custGeom>
-        </p:spPr>
-      </p:sp>
-    </p:spTree>
-    <p:extLst>
-      <p:ext uri="{BB962C8B-B14F-4D97-AF65-F5344CB8AC3E}">
-        <p14:creationId xmlns:p14="http://schemas.microsoft.com/office/powerpoint/2010/main" val="3176951944"/>
-      </p:ext>
-    </p:extLst>
-  </p:cSld>
-  <p:clrMapOvr>
-    <a:masterClrMapping/>
-  </p:clrMapOvr>
-</p:notes>
-</file>
-
-<file path=ppt/notesSlides/notesSlide7.xml><?xml version="1.0" encoding="utf-8"?>
-<p:notes xmlns:a="http://schemas.openxmlformats.org/drawingml/2006/main" xmlns:r="http://schemas.openxmlformats.org/officeDocument/2006/relationships" xmlns:p="http://schemas.openxmlformats.org/presentationml/2006/main" showMasterSp="0" showMasterPhAnim="0">
-  <p:cSld>
-    <p:spTree>
-      <p:nvGrpSpPr>
-        <p:cNvPr id="1" name="Shape 172"/>
-        <p:cNvGrpSpPr/>
-        <p:nvPr/>
-      </p:nvGrpSpPr>
-      <p:grpSpPr>
-        <a:xfrm>
-          <a:off x="0" y="0"/>
-          <a:ext cx="0" cy="0"/>
-          <a:chOff x="0" y="0"/>
-          <a:chExt cx="0" cy="0"/>
-        </a:xfrm>
-      </p:grpSpPr>
-      <p:sp>
-        <p:nvSpPr>
-          <p:cNvPr id="173" name="Google Shape;173;p5:notes"/>
-          <p:cNvSpPr txBox="1">
-            <a:spLocks noGrp="1"/>
-          </p:cNvSpPr>
-          <p:nvPr>
-            <p:ph type="body" idx="1"/>
-          </p:nvPr>
-        </p:nvSpPr>
-        <p:spPr>
-          <a:xfrm>
-            <a:off x="709613" y="4926013"/>
-            <a:ext cx="5683250" cy="4029075"/>
-          </a:xfrm>
-          <a:prstGeom prst="rect">
-            <a:avLst/>
-          </a:prstGeom>
-        </p:spPr>
-        <p:txBody>
-          <a:bodyPr spcFirstLastPara="1" wrap="square" lIns="91425" tIns="45700" rIns="91425" bIns="45700" anchor="t" anchorCtr="0">
-            <a:noAutofit/>
-          </a:bodyPr>
-          <a:lstStyle/>
-          <a:p>
-            <a:pPr marL="0" lvl="0" indent="0" algn="l" rtl="0">
-              <a:spcBef>
-                <a:spcPts val="0"/>
-              </a:spcBef>
-              <a:spcAft>
-                <a:spcPts val="0"/>
-              </a:spcAft>
-              <a:buNone/>
-            </a:pPr>
-            <a:endParaRPr/>
-          </a:p>
-        </p:txBody>
-      </p:sp>
-      <p:sp>
-        <p:nvSpPr>
-          <p:cNvPr id="174" name="Google Shape;174;p5:notes"/>
-          <p:cNvSpPr>
-            <a:spLocks noGrp="1" noRot="1" noChangeAspect="1"/>
-          </p:cNvSpPr>
-          <p:nvPr>
-            <p:ph type="sldImg" idx="2"/>
-          </p:nvPr>
-        </p:nvSpPr>
-        <p:spPr>
-          <a:xfrm>
-            <a:off x="1247775" y="1279525"/>
-            <a:ext cx="4606925" cy="3454400"/>
-          </a:xfrm>
-          <a:custGeom>
-            <a:avLst/>
-            <a:gdLst/>
-            <a:ahLst/>
-            <a:cxnLst/>
-            <a:rect l="l" t="t" r="r" b="b"/>
-            <a:pathLst>
-              <a:path w="120000" h="120000" extrusionOk="0">
-                <a:moveTo>
-                  <a:pt x="0" y="0"/>
-                </a:moveTo>
-                <a:lnTo>
-                  <a:pt x="120000" y="0"/>
-                </a:lnTo>
-                <a:lnTo>
-                  <a:pt x="120000" y="120000"/>
-                </a:lnTo>
-                <a:lnTo>
-                  <a:pt x="0" y="120000"/>
-                </a:lnTo>
-                <a:close/>
-              </a:path>
-            </a:pathLst>
-          </a:custGeom>
-        </p:spPr>
-      </p:sp>
-    </p:spTree>
-    <p:extLst>
-      <p:ext uri="{BB962C8B-B14F-4D97-AF65-F5344CB8AC3E}">
-        <p14:creationId xmlns:p14="http://schemas.microsoft.com/office/powerpoint/2010/main" val="924988833"/>
-      </p:ext>
-    </p:extLst>
-  </p:cSld>
-  <p:clrMapOvr>
-    <a:masterClrMapping/>
-  </p:clrMapOvr>
-</p:notes>
-</file>
-
-<file path=ppt/notesSlides/notesSlide8.xml><?xml version="1.0" encoding="utf-8"?>
-<p:notes xmlns:a="http://schemas.openxmlformats.org/drawingml/2006/main" xmlns:r="http://schemas.openxmlformats.org/officeDocument/2006/relationships" xmlns:p="http://schemas.openxmlformats.org/presentationml/2006/main" showMasterSp="0" showMasterPhAnim="0">
-  <p:cSld>
-    <p:spTree>
-      <p:nvGrpSpPr>
-        <p:cNvPr id="1" name="Shape 164"/>
-        <p:cNvGrpSpPr/>
-        <p:nvPr/>
-      </p:nvGrpSpPr>
-      <p:grpSpPr>
-        <a:xfrm>
-          <a:off x="0" y="0"/>
-          <a:ext cx="0" cy="0"/>
-          <a:chOff x="0" y="0"/>
-          <a:chExt cx="0" cy="0"/>
-        </a:xfrm>
-      </p:grpSpPr>
-      <p:sp>
-        <p:nvSpPr>
-          <p:cNvPr id="165" name="Google Shape;165;p4:notes"/>
-          <p:cNvSpPr txBox="1">
-            <a:spLocks noGrp="1"/>
-          </p:cNvSpPr>
-          <p:nvPr>
-            <p:ph type="body" idx="1"/>
-          </p:nvPr>
-        </p:nvSpPr>
-        <p:spPr>
-          <a:xfrm>
-            <a:off x="709613" y="4926013"/>
-            <a:ext cx="5683250" cy="4029075"/>
-          </a:xfrm>
-          <a:prstGeom prst="rect">
-            <a:avLst/>
-          </a:prstGeom>
-        </p:spPr>
-        <p:txBody>
-          <a:bodyPr spcFirstLastPara="1" wrap="square" lIns="91425" tIns="45700" rIns="91425" bIns="45700" anchor="t" anchorCtr="0">
-            <a:noAutofit/>
-          </a:bodyPr>
-          <a:lstStyle/>
-          <a:p>
-            <a:pPr marL="0" lvl="0" indent="0" algn="l" rtl="0">
-              <a:spcBef>
-                <a:spcPts val="0"/>
-              </a:spcBef>
-              <a:spcAft>
-                <a:spcPts val="0"/>
-              </a:spcAft>
-              <a:buNone/>
-            </a:pPr>
-            <a:endParaRPr/>
-          </a:p>
-        </p:txBody>
-      </p:sp>
-      <p:sp>
-        <p:nvSpPr>
-          <p:cNvPr id="166" name="Google Shape;166;p4:notes"/>
-          <p:cNvSpPr>
-            <a:spLocks noGrp="1" noRot="1" noChangeAspect="1"/>
-          </p:cNvSpPr>
-          <p:nvPr>
-            <p:ph type="sldImg" idx="2"/>
-          </p:nvPr>
-        </p:nvSpPr>
-        <p:spPr>
-          <a:xfrm>
-            <a:off x="1247775" y="1279525"/>
-            <a:ext cx="4606925" cy="3454400"/>
-          </a:xfrm>
-          <a:custGeom>
-            <a:avLst/>
-            <a:gdLst/>
-            <a:ahLst/>
-            <a:cxnLst/>
-            <a:rect l="l" t="t" r="r" b="b"/>
-            <a:pathLst>
-              <a:path w="120000" h="120000" extrusionOk="0">
-                <a:moveTo>
-                  <a:pt x="0" y="0"/>
-                </a:moveTo>
-                <a:lnTo>
-                  <a:pt x="120000" y="0"/>
-                </a:lnTo>
-                <a:lnTo>
-                  <a:pt x="120000" y="120000"/>
-                </a:lnTo>
-                <a:lnTo>
-                  <a:pt x="0" y="120000"/>
-                </a:lnTo>
-                <a:close/>
-              </a:path>
-            </a:pathLst>
-          </a:custGeom>
-        </p:spPr>
-      </p:sp>
-    </p:spTree>
-  </p:cSld>
-  <p:clrMapOvr>
-    <a:masterClrMapping/>
-  </p:clrMapOvr>
-</p:notes>
-</file>
-
-<file path=ppt/notesSlides/notesSlide9.xml><?xml version="1.0" encoding="utf-8"?>
 <p:notes xmlns:a="http://schemas.openxmlformats.org/drawingml/2006/main" xmlns:r="http://schemas.openxmlformats.org/officeDocument/2006/relationships" xmlns:p="http://schemas.openxmlformats.org/presentationml/2006/main" showMasterSp="0" showMasterPhAnim="0">
   <p:cSld>
     <p:spTree>
@@ -2514,6 +1980,110 @@
         <p14:creationId xmlns:p14="http://schemas.microsoft.com/office/powerpoint/2010/main" val="2773169876"/>
       </p:ext>
     </p:extLst>
+  </p:cSld>
+  <p:clrMapOvr>
+    <a:masterClrMapping/>
+  </p:clrMapOvr>
+</p:notes>
+</file>
+
+<file path=ppt/notesSlides/notesSlide6.xml><?xml version="1.0" encoding="utf-8"?>
+<p:notes xmlns:a="http://schemas.openxmlformats.org/drawingml/2006/main" xmlns:r="http://schemas.openxmlformats.org/officeDocument/2006/relationships" xmlns:p="http://schemas.openxmlformats.org/presentationml/2006/main" showMasterSp="0" showMasterPhAnim="0">
+  <p:cSld>
+    <p:spTree>
+      <p:nvGrpSpPr>
+        <p:cNvPr id="1" name="Shape 180"/>
+        <p:cNvGrpSpPr/>
+        <p:nvPr/>
+      </p:nvGrpSpPr>
+      <p:grpSpPr>
+        <a:xfrm>
+          <a:off x="0" y="0"/>
+          <a:ext cx="0" cy="0"/>
+          <a:chOff x="0" y="0"/>
+          <a:chExt cx="0" cy="0"/>
+        </a:xfrm>
+      </p:grpSpPr>
+      <p:sp>
+        <p:nvSpPr>
+          <p:cNvPr id="181" name="Google Shape;181;p6:notes"/>
+          <p:cNvSpPr txBox="1">
+            <a:spLocks noGrp="1"/>
+          </p:cNvSpPr>
+          <p:nvPr>
+            <p:ph type="body" idx="1"/>
+          </p:nvPr>
+        </p:nvSpPr>
+        <p:spPr>
+          <a:xfrm>
+            <a:off x="709613" y="4926013"/>
+            <a:ext cx="5683250" cy="4029075"/>
+          </a:xfrm>
+          <a:prstGeom prst="rect">
+            <a:avLst/>
+          </a:prstGeom>
+        </p:spPr>
+        <p:txBody>
+          <a:bodyPr spcFirstLastPara="1" wrap="square" lIns="91425" tIns="45700" rIns="91425" bIns="45700" anchor="t" anchorCtr="0">
+            <a:noAutofit/>
+          </a:bodyPr>
+          <a:lstStyle/>
+          <a:p>
+            <a:pPr marL="0" lvl="0" indent="0" algn="l" rtl="0">
+              <a:spcBef>
+                <a:spcPts val="0"/>
+              </a:spcBef>
+              <a:spcAft>
+                <a:spcPts val="0"/>
+              </a:spcAft>
+              <a:buNone/>
+            </a:pPr>
+            <a:endParaRPr/>
+          </a:p>
+        </p:txBody>
+      </p:sp>
+      <p:sp>
+        <p:nvSpPr>
+          <p:cNvPr id="182" name="Google Shape;182;p6:notes"/>
+          <p:cNvSpPr>
+            <a:spLocks noGrp="1" noRot="1" noChangeAspect="1"/>
+          </p:cNvSpPr>
+          <p:nvPr>
+            <p:ph type="sldImg" idx="2"/>
+          </p:nvPr>
+        </p:nvSpPr>
+        <p:spPr>
+          <a:xfrm>
+            <a:off x="1247775" y="1279525"/>
+            <a:ext cx="4606925" cy="3454400"/>
+          </a:xfrm>
+          <a:custGeom>
+            <a:avLst/>
+            <a:gdLst/>
+            <a:ahLst/>
+            <a:cxnLst/>
+            <a:rect l="l" t="t" r="r" b="b"/>
+            <a:pathLst>
+              <a:path w="120000" h="120000" extrusionOk="0">
+                <a:moveTo>
+                  <a:pt x="0" y="0"/>
+                </a:moveTo>
+                <a:lnTo>
+                  <a:pt x="120000" y="0"/>
+                </a:lnTo>
+                <a:lnTo>
+                  <a:pt x="120000" y="120000"/>
+                </a:lnTo>
+                <a:lnTo>
+                  <a:pt x="0" y="120000"/>
+                </a:lnTo>
+                <a:close/>
+              </a:path>
+            </a:pathLst>
+          </a:custGeom>
+        </p:spPr>
+      </p:sp>
+    </p:spTree>
   </p:cSld>
   <p:clrMapOvr>
     <a:masterClrMapping/>
@@ -22803,9 +22373,20 @@
             </a:pPr>
             <a:r>
               <a:rPr lang="de-AT" dirty="0"/>
-              <a:t>ZWISCHEN-PRÄSENTATION </a:t>
+              <a:t>ZWISCHEN-PRÄSENTATION</a:t>
             </a:r>
-            <a:endParaRPr dirty="0"/>
+            <a:br>
+              <a:rPr lang="de-AT" dirty="0"/>
+            </a:br>
+            <a:r>
+              <a:rPr lang="de-AT" sz="2400" i="1" dirty="0">
+                <a:latin typeface="+mn-lt"/>
+              </a:rPr>
+              <a:t>11.05.2020</a:t>
+            </a:r>
+            <a:endParaRPr i="1" dirty="0">
+              <a:latin typeface="+mn-lt"/>
+            </a:endParaRPr>
           </a:p>
         </p:txBody>
       </p:sp>
@@ -23114,241 +22695,6 @@
           </a:p>
         </p:txBody>
       </p:sp>
-    </p:spTree>
-  </p:cSld>
-  <p:clrMapOvr>
-    <a:masterClrMapping/>
-  </p:clrMapOvr>
-</p:sld>
-</file>
-
-<file path=ppt/slides/slide10.xml><?xml version="1.0" encoding="utf-8"?>
-<p:sld xmlns:a="http://schemas.openxmlformats.org/drawingml/2006/main" xmlns:r="http://schemas.openxmlformats.org/officeDocument/2006/relationships" xmlns:p="http://schemas.openxmlformats.org/presentationml/2006/main">
-  <p:cSld>
-    <p:spTree>
-      <p:nvGrpSpPr>
-        <p:cNvPr id="1" name="Shape 183"/>
-        <p:cNvGrpSpPr/>
-        <p:nvPr/>
-      </p:nvGrpSpPr>
-      <p:grpSpPr>
-        <a:xfrm>
-          <a:off x="0" y="0"/>
-          <a:ext cx="0" cy="0"/>
-          <a:chOff x="0" y="0"/>
-          <a:chExt cx="0" cy="0"/>
-        </a:xfrm>
-      </p:grpSpPr>
-      <p:sp>
-        <p:nvSpPr>
-          <p:cNvPr id="184" name="Google Shape;184;p6"/>
-          <p:cNvSpPr txBox="1">
-            <a:spLocks noGrp="1"/>
-          </p:cNvSpPr>
-          <p:nvPr>
-            <p:ph type="title"/>
-          </p:nvPr>
-        </p:nvSpPr>
-        <p:spPr>
-          <a:xfrm>
-            <a:off x="494893" y="1076242"/>
-            <a:ext cx="7938194" cy="938696"/>
-          </a:xfrm>
-          <a:prstGeom prst="rect">
-            <a:avLst/>
-          </a:prstGeom>
-          <a:noFill/>
-          <a:ln>
-            <a:noFill/>
-          </a:ln>
-        </p:spPr>
-        <p:txBody>
-          <a:bodyPr spcFirstLastPara="1" wrap="square" lIns="91425" tIns="45700" rIns="91425" bIns="45700" anchor="t" anchorCtr="0">
-            <a:noAutofit/>
-          </a:bodyPr>
-          <a:lstStyle/>
-          <a:p>
-            <a:pPr marL="0" lvl="0" indent="0" algn="l" rtl="0">
-              <a:lnSpc>
-                <a:spcPct val="83000"/>
-              </a:lnSpc>
-              <a:spcBef>
-                <a:spcPts val="0"/>
-              </a:spcBef>
-              <a:spcAft>
-                <a:spcPts val="0"/>
-              </a:spcAft>
-              <a:buClr>
-                <a:schemeClr val="dk1"/>
-              </a:buClr>
-              <a:buSzPts val="3000"/>
-              <a:buFont typeface="Arial Black"/>
-              <a:buNone/>
-            </a:pPr>
-            <a:r>
-              <a:rPr lang="de-AT" dirty="0"/>
-              <a:t>PROJEKTORGANISATION</a:t>
-            </a:r>
-            <a:endParaRPr dirty="0"/>
-          </a:p>
-        </p:txBody>
-      </p:sp>
-      <p:sp>
-        <p:nvSpPr>
-          <p:cNvPr id="185" name="Google Shape;185;p6"/>
-          <p:cNvSpPr txBox="1">
-            <a:spLocks noGrp="1"/>
-          </p:cNvSpPr>
-          <p:nvPr>
-            <p:ph type="ftr" idx="11"/>
-          </p:nvPr>
-        </p:nvSpPr>
-        <p:spPr>
-          <a:xfrm>
-            <a:off x="4273550" y="6395540"/>
-            <a:ext cx="3086100" cy="365125"/>
-          </a:xfrm>
-          <a:prstGeom prst="rect">
-            <a:avLst/>
-          </a:prstGeom>
-          <a:noFill/>
-          <a:ln>
-            <a:noFill/>
-          </a:ln>
-        </p:spPr>
-        <p:txBody>
-          <a:bodyPr spcFirstLastPara="1" wrap="square" lIns="91425" tIns="45700" rIns="91425" bIns="45700" anchor="ctr" anchorCtr="0">
-            <a:noAutofit/>
-          </a:bodyPr>
-          <a:lstStyle/>
-          <a:p>
-            <a:pPr marL="0" lvl="0" indent="0" algn="l" rtl="0">
-              <a:lnSpc>
-                <a:spcPct val="100000"/>
-              </a:lnSpc>
-              <a:spcBef>
-                <a:spcPts val="0"/>
-              </a:spcBef>
-              <a:spcAft>
-                <a:spcPts val="0"/>
-              </a:spcAft>
-              <a:buClr>
-                <a:schemeClr val="dk1"/>
-              </a:buClr>
-              <a:buSzPts val="1000"/>
-              <a:buFont typeface="Arial"/>
-              <a:buNone/>
-            </a:pPr>
-            <a:r>
-              <a:rPr lang="de-AT" dirty="0"/>
-              <a:t>258.321</a:t>
-            </a:r>
-            <a:endParaRPr dirty="0"/>
-          </a:p>
-        </p:txBody>
-      </p:sp>
-      <p:sp>
-        <p:nvSpPr>
-          <p:cNvPr id="186" name="Google Shape;186;p6"/>
-          <p:cNvSpPr txBox="1">
-            <a:spLocks noGrp="1"/>
-          </p:cNvSpPr>
-          <p:nvPr>
-            <p:ph type="sldNum" idx="12"/>
-          </p:nvPr>
-        </p:nvSpPr>
-        <p:spPr>
-          <a:xfrm>
-            <a:off x="8087836" y="6395540"/>
-            <a:ext cx="514350" cy="365125"/>
-          </a:xfrm>
-          <a:prstGeom prst="rect">
-            <a:avLst/>
-          </a:prstGeom>
-          <a:noFill/>
-          <a:ln>
-            <a:noFill/>
-          </a:ln>
-        </p:spPr>
-        <p:txBody>
-          <a:bodyPr spcFirstLastPara="1" wrap="square" lIns="91425" tIns="45700" rIns="91425" bIns="45700" anchor="ctr" anchorCtr="0">
-            <a:noAutofit/>
-          </a:bodyPr>
-          <a:lstStyle/>
-          <a:p>
-            <a:pPr marL="0" lvl="0" indent="0" algn="r" rtl="0">
-              <a:spcBef>
-                <a:spcPts val="0"/>
-              </a:spcBef>
-              <a:spcAft>
-                <a:spcPts val="0"/>
-              </a:spcAft>
-              <a:buNone/>
-            </a:pPr>
-            <a:fld id="{00000000-1234-1234-1234-123412341234}" type="slidenum">
-              <a:rPr lang="de-AT"/>
-              <a:t>10</a:t>
-            </a:fld>
-            <a:endParaRPr dirty="0"/>
-          </a:p>
-        </p:txBody>
-      </p:sp>
-      <p:graphicFrame>
-        <p:nvGraphicFramePr>
-          <p:cNvPr id="187" name="Google Shape;187;p6"/>
-          <p:cNvGraphicFramePr/>
-          <p:nvPr/>
-        </p:nvGraphicFramePr>
-        <p:xfrm>
-          <a:off x="207963" y="2189163"/>
-          <a:ext cx="8728075" cy="2671762"/>
-        </p:xfrm>
-        <a:graphic>
-          <a:graphicData uri="http://schemas.openxmlformats.org/presentationml/2006/ole">
-            <mc:AlternateContent xmlns:mc="http://schemas.openxmlformats.org/markup-compatibility/2006">
-              <mc:Choice xmlns:v="urn:schemas-microsoft-com:vml" Requires="v">
-                <p:oleObj spid="_x0000_s1034" name="Worksheet" r:id="rId4" imgW="8727898" imgH="2671467" progId="Excel.Sheet.12">
-                  <p:embed/>
-                </p:oleObj>
-              </mc:Choice>
-              <mc:Fallback>
-                <p:oleObj name="Worksheet" r:id="rId4" imgW="8727898" imgH="2671467" progId="Excel.Sheet.12">
-                  <p:embed/>
-                  <p:pic>
-                    <p:nvPicPr>
-                      <p:cNvPr id="187" name="Google Shape;187;p6"/>
-                      <p:cNvPicPr preferRelativeResize="0"/>
-                      <p:nvPr/>
-                    </p:nvPicPr>
-                    <p:blipFill rotWithShape="1">
-                      <a:blip r:embed="rId5">
-                        <a:alphaModFix/>
-                      </a:blip>
-                      <a:srcRect/>
-                      <a:stretch>
-                        <a:fillRect/>
-                      </a:stretch>
-                    </p:blipFill>
-                    <p:spPr>
-                      <a:xfrm>
-                        <a:off x="207963" y="2189163"/>
-                        <a:ext cx="8728075" cy="2671762"/>
-                      </a:xfrm>
-                      <a:prstGeom prst="rect">
-                        <a:avLst/>
-                      </a:prstGeom>
-                      <a:noFill/>
-                      <a:ln>
-                        <a:noFill/>
-                      </a:ln>
-                    </p:spPr>
-                  </p:pic>
-                </p:oleObj>
-              </mc:Fallback>
-            </mc:AlternateContent>
-          </a:graphicData>
-        </a:graphic>
-      </p:graphicFrame>
     </p:spTree>
   </p:cSld>
   <p:clrMapOvr>
@@ -23545,8 +22891,8 @@
         </p:blipFill>
         <p:spPr>
           <a:xfrm>
-            <a:off x="1666992" y="2254604"/>
-            <a:ext cx="5810016" cy="4140936"/>
+            <a:off x="1381760" y="2190447"/>
+            <a:ext cx="6095248" cy="4078397"/>
           </a:xfrm>
           <a:prstGeom prst="rect">
             <a:avLst/>
@@ -23566,7 +22912,7 @@
         <p:spPr>
           <a:xfrm>
             <a:off x="547688" y="1782394"/>
-            <a:ext cx="6929320" cy="369291"/>
+            <a:ext cx="7540148" cy="307736"/>
           </a:xfrm>
           <a:prstGeom prst="rect">
             <a:avLst/>
@@ -23584,7 +22930,7 @@
           <a:p>
             <a:pPr lvl="0"/>
             <a:r>
-              <a:rPr lang="de-AT" sz="1800" dirty="0">
+              <a:rPr lang="de-AT" i="1" dirty="0">
                 <a:solidFill>
                   <a:schemeClr val="dk1"/>
                 </a:solidFill>
@@ -23593,10 +22939,10 @@
                 <a:cs typeface="Arial Black"/>
                 <a:sym typeface="Arial Black"/>
               </a:rPr>
-              <a:t>RDF – Graph (siehe „RDF-</a:t>
+              <a:t>RDF – Graph (siehe „</a:t>
             </a:r>
             <a:r>
-              <a:rPr lang="de-AT" sz="1800" dirty="0" err="1">
+              <a:rPr lang="de-DE" i="1" dirty="0" err="1">
                 <a:solidFill>
                   <a:schemeClr val="dk1"/>
                 </a:solidFill>
@@ -23605,10 +22951,10 @@
                 <a:cs typeface="Arial Black"/>
                 <a:sym typeface="Arial Black"/>
               </a:rPr>
-              <a:t>Graph_überarbeitet.drawio</a:t>
+              <a:t>Graph_neu_Struktur+Umschrieben.drawio</a:t>
             </a:r>
             <a:r>
-              <a:rPr lang="de-AT" sz="1800" dirty="0">
+              <a:rPr lang="de-AT" i="1" dirty="0">
                 <a:solidFill>
                   <a:schemeClr val="dk1"/>
                 </a:solidFill>
@@ -23619,7 +22965,7 @@
               </a:rPr>
               <a:t>“)</a:t>
             </a:r>
-            <a:endParaRPr dirty="0"/>
+            <a:endParaRPr sz="1100" i="1" dirty="0"/>
           </a:p>
         </p:txBody>
       </p:sp>
@@ -23632,7 +22978,7 @@
 </file>
 
 <file path=ppt/slides/slide3.xml><?xml version="1.0" encoding="utf-8"?>
-<p:sld xmlns:a="http://schemas.openxmlformats.org/drawingml/2006/main" xmlns:r="http://schemas.openxmlformats.org/officeDocument/2006/relationships" xmlns:p="http://schemas.openxmlformats.org/presentationml/2006/main" show="0">
+<p:sld xmlns:a="http://schemas.openxmlformats.org/drawingml/2006/main" xmlns:r="http://schemas.openxmlformats.org/officeDocument/2006/relationships" xmlns:p="http://schemas.openxmlformats.org/presentationml/2006/main">
   <p:cSld>
     <p:spTree>
       <p:nvGrpSpPr>
@@ -23677,10 +23023,42 @@
           </a:bodyPr>
           <a:lstStyle/>
           <a:p>
-            <a:pPr marL="0" indent="0">
-              <a:spcBef>
-                <a:spcPts val="0"/>
-              </a:spcBef>
+            <a:pPr marL="285750" indent="-285750">
+              <a:spcBef>
+                <a:spcPts val="0"/>
+              </a:spcBef>
+              <a:buFont typeface="Arial" panose="020B0604020202020204" pitchFamily="34" charset="0"/>
+              <a:buChar char="•"/>
+            </a:pPr>
+            <a:endParaRPr lang="de-AT" b="1" dirty="0">
+              <a:latin typeface="Arial"/>
+              <a:ea typeface="Arial"/>
+              <a:cs typeface="Arial"/>
+              <a:sym typeface="Arial"/>
+            </a:endParaRPr>
+          </a:p>
+          <a:p>
+            <a:pPr marL="285750" indent="-285750">
+              <a:spcBef>
+                <a:spcPts val="0"/>
+              </a:spcBef>
+              <a:buFont typeface="Arial" panose="020B0604020202020204" pitchFamily="34" charset="0"/>
+              <a:buChar char="•"/>
+            </a:pPr>
+            <a:endParaRPr lang="de-AT" b="1" dirty="0">
+              <a:latin typeface="Arial"/>
+              <a:ea typeface="Arial"/>
+              <a:cs typeface="Arial"/>
+              <a:sym typeface="Arial"/>
+            </a:endParaRPr>
+          </a:p>
+          <a:p>
+            <a:pPr marL="285750" indent="-285750">
+              <a:spcBef>
+                <a:spcPts val="0"/>
+              </a:spcBef>
+              <a:buFont typeface="Arial" panose="020B0604020202020204" pitchFamily="34" charset="0"/>
+              <a:buChar char="•"/>
             </a:pPr>
             <a:r>
               <a:rPr lang="de-AT" b="1" dirty="0">
@@ -23689,7 +23067,7 @@
                 <a:cs typeface="Arial"/>
                 <a:sym typeface="Arial"/>
               </a:rPr>
-              <a:t>Tool XX:</a:t>
+              <a:t>Apache Jena als RDF-Framework</a:t>
             </a:r>
             <a:endParaRPr lang="de-AT" dirty="0">
               <a:latin typeface="Arial"/>
@@ -23699,7 +23077,7 @@
             </a:endParaRPr>
           </a:p>
           <a:p>
-            <a:pPr marL="0" lvl="0" indent="0" algn="l" rtl="0">
+            <a:pPr marL="285750" lvl="0" indent="-285750" algn="l" rtl="0">
               <a:lnSpc>
                 <a:spcPct val="105000"/>
               </a:lnSpc>
@@ -23713,18 +23091,9 @@
                 <a:schemeClr val="dk1"/>
               </a:buClr>
               <a:buSzPts val="1530"/>
-              <a:buFont typeface="Arial"/>
-              <a:buNone/>
+              <a:buFont typeface="Arial" panose="020B0604020202020204" pitchFamily="34" charset="0"/>
+              <a:buChar char="•"/>
             </a:pPr>
-            <a:r>
-              <a:rPr lang="de-AT" dirty="0" err="1">
-                <a:latin typeface="Arial"/>
-                <a:ea typeface="Arial"/>
-                <a:cs typeface="Arial"/>
-                <a:sym typeface="Arial"/>
-              </a:rPr>
-              <a:t>Fdgknjdsnfds</a:t>
-            </a:r>
             <a:endParaRPr lang="de-AT" dirty="0">
               <a:latin typeface="Arial"/>
               <a:ea typeface="Arial"/>
@@ -23733,7 +23102,7 @@
             </a:endParaRPr>
           </a:p>
           <a:p>
-            <a:pPr marL="0" lvl="0" indent="0" algn="l" rtl="0">
+            <a:pPr marL="285750" lvl="0" indent="-285750" algn="l" rtl="0">
               <a:lnSpc>
                 <a:spcPct val="105000"/>
               </a:lnSpc>
@@ -23747,9 +23116,124 @@
                 <a:schemeClr val="dk1"/>
               </a:buClr>
               <a:buSzPts val="1530"/>
-              <a:buFont typeface="Arial"/>
-              <a:buNone/>
+              <a:buFont typeface="Arial" panose="020B0604020202020204" pitchFamily="34" charset="0"/>
+              <a:buChar char="•"/>
             </a:pPr>
+            <a:r>
+              <a:rPr lang="de-AT" b="1" dirty="0">
+                <a:latin typeface="Arial"/>
+                <a:ea typeface="Arial"/>
+                <a:cs typeface="Arial"/>
+                <a:sym typeface="Arial"/>
+              </a:rPr>
+              <a:t>SQL Developer &amp; Apache </a:t>
+            </a:r>
+            <a:r>
+              <a:rPr lang="de-AT" b="1" dirty="0" err="1">
+                <a:latin typeface="Arial"/>
+                <a:ea typeface="Arial"/>
+                <a:cs typeface="Arial"/>
+                <a:sym typeface="Arial"/>
+              </a:rPr>
+              <a:t>Tomcat</a:t>
+            </a:r>
+            <a:r>
+              <a:rPr lang="de-AT" b="1" dirty="0">
+                <a:latin typeface="Arial"/>
+                <a:ea typeface="Arial"/>
+                <a:cs typeface="Arial"/>
+                <a:sym typeface="Arial"/>
+              </a:rPr>
+              <a:t> als Webserver</a:t>
+            </a:r>
+          </a:p>
+          <a:p>
+            <a:pPr marL="285750" lvl="0" indent="-285750" algn="l" rtl="0">
+              <a:lnSpc>
+                <a:spcPct val="105000"/>
+              </a:lnSpc>
+              <a:spcBef>
+                <a:spcPts val="0"/>
+              </a:spcBef>
+              <a:spcAft>
+                <a:spcPts val="0"/>
+              </a:spcAft>
+              <a:buClr>
+                <a:schemeClr val="dk1"/>
+              </a:buClr>
+              <a:buSzPts val="1530"/>
+              <a:buFont typeface="Arial" panose="020B0604020202020204" pitchFamily="34" charset="0"/>
+              <a:buChar char="•"/>
+            </a:pPr>
+            <a:endParaRPr lang="de-DE" b="1" dirty="0">
+              <a:latin typeface="Arial"/>
+              <a:cs typeface="Arial"/>
+              <a:sym typeface="Arial"/>
+            </a:endParaRPr>
+          </a:p>
+          <a:p>
+            <a:pPr marL="285750" lvl="0" indent="-285750">
+              <a:spcBef>
+                <a:spcPts val="0"/>
+              </a:spcBef>
+              <a:buFont typeface="Arial" panose="020B0604020202020204" pitchFamily="34" charset="0"/>
+              <a:buChar char="•"/>
+            </a:pPr>
+            <a:r>
+              <a:rPr lang="de-DE" b="1" dirty="0">
+                <a:latin typeface="Arial"/>
+                <a:cs typeface="Arial"/>
+                <a:sym typeface="Arial"/>
+              </a:rPr>
+              <a:t>Java für die Entwicklung von Front-End &amp; Back-End der Web-Applikation</a:t>
+            </a:r>
+            <a:endParaRPr lang="de-DE" dirty="0">
+              <a:latin typeface="Arial"/>
+              <a:cs typeface="Arial"/>
+              <a:sym typeface="Arial"/>
+            </a:endParaRPr>
+          </a:p>
+          <a:p>
+            <a:pPr marL="285750" lvl="0" indent="-285750">
+              <a:spcBef>
+                <a:spcPts val="0"/>
+              </a:spcBef>
+              <a:buFont typeface="Arial" panose="020B0604020202020204" pitchFamily="34" charset="0"/>
+              <a:buChar char="•"/>
+            </a:pPr>
+            <a:endParaRPr lang="de-DE" b="1" dirty="0">
+              <a:latin typeface="Arial"/>
+              <a:ea typeface="Arial"/>
+              <a:cs typeface="Arial"/>
+              <a:sym typeface="Arial"/>
+            </a:endParaRPr>
+          </a:p>
+          <a:p>
+            <a:pPr marL="285750" lvl="0" indent="-285750">
+              <a:spcBef>
+                <a:spcPts val="0"/>
+              </a:spcBef>
+              <a:buFont typeface="Arial" panose="020B0604020202020204" pitchFamily="34" charset="0"/>
+              <a:buChar char="•"/>
+            </a:pPr>
+            <a:r>
+              <a:rPr lang="de-DE" b="1" dirty="0" err="1">
+                <a:latin typeface="Arial"/>
+                <a:ea typeface="Arial"/>
+                <a:cs typeface="Arial"/>
+                <a:sym typeface="Arial"/>
+              </a:rPr>
+              <a:t>Eclipse</a:t>
+            </a:r>
+            <a:r>
+              <a:rPr lang="de-DE" b="1" dirty="0">
+                <a:latin typeface="Arial"/>
+                <a:ea typeface="Arial"/>
+                <a:cs typeface="Arial"/>
+                <a:sym typeface="Arial"/>
+              </a:rPr>
+              <a:t> als integrierte Entwicklungsumgebung (IDE) für Java</a:t>
+            </a:r>
             <a:endParaRPr lang="de-AT" b="1" dirty="0">
               <a:latin typeface="Arial"/>
               <a:ea typeface="Arial"/>
@@ -23758,12 +23242,12 @@
             </a:endParaRPr>
           </a:p>
           <a:p>
-            <a:pPr marL="0" lvl="0" indent="0" algn="l" rtl="0">
+            <a:pPr marL="285750" lvl="0" indent="-285750" algn="l" rtl="0">
               <a:lnSpc>
                 <a:spcPct val="105000"/>
               </a:lnSpc>
               <a:spcBef>
-                <a:spcPts val="0"/>
+                <a:spcPts val="1600"/>
               </a:spcBef>
               <a:spcAft>
                 <a:spcPts val="0"/>
@@ -23772,89 +23256,13 @@
                 <a:schemeClr val="dk1"/>
               </a:buClr>
               <a:buSzPts val="1530"/>
-              <a:buFont typeface="Arial"/>
-              <a:buNone/>
-            </a:pPr>
-            <a:r>
-              <a:rPr lang="de-DE" b="1" dirty="0">
-                <a:latin typeface="Arial"/>
-                <a:ea typeface="Arial"/>
-                <a:cs typeface="Arial"/>
-                <a:sym typeface="Arial"/>
-              </a:rPr>
-              <a:t>Framework YY:</a:t>
-            </a:r>
-            <a:endParaRPr lang="de-DE" dirty="0">
-              <a:latin typeface="Arial"/>
-              <a:ea typeface="Arial"/>
-              <a:cs typeface="Arial"/>
-              <a:sym typeface="Arial"/>
-            </a:endParaRPr>
-          </a:p>
-          <a:p>
-            <a:pPr marL="0" lvl="0" indent="0">
-              <a:spcBef>
-                <a:spcPts val="0"/>
-              </a:spcBef>
-            </a:pPr>
-            <a:r>
-              <a:rPr lang="de-DE" dirty="0" err="1">
-                <a:latin typeface="Arial"/>
-                <a:ea typeface="Arial"/>
-                <a:cs typeface="Arial"/>
-                <a:sym typeface="Arial"/>
-              </a:rPr>
-              <a:t>XXdlmfsdlfmslkd</a:t>
-            </a:r>
-            <a:endParaRPr lang="de-DE" dirty="0"/>
-          </a:p>
-          <a:p>
-            <a:pPr marL="0" lvl="0" indent="0" algn="l" rtl="0">
-              <a:lnSpc>
-                <a:spcPct val="105000"/>
-              </a:lnSpc>
-              <a:spcBef>
-                <a:spcPts val="1600"/>
-              </a:spcBef>
-              <a:spcAft>
-                <a:spcPts val="0"/>
-              </a:spcAft>
-              <a:buClr>
-                <a:schemeClr val="dk1"/>
-              </a:buClr>
-              <a:buSzPts val="1530"/>
-              <a:buFont typeface="Arial"/>
-              <a:buNone/>
-            </a:pPr>
-            <a:endParaRPr lang="de-AT" b="1" dirty="0">
-              <a:latin typeface="Arial"/>
-              <a:ea typeface="Arial"/>
-              <a:cs typeface="Arial"/>
-              <a:sym typeface="Arial"/>
-            </a:endParaRPr>
-          </a:p>
-          <a:p>
-            <a:pPr marL="0" lvl="0" indent="0" algn="l" rtl="0">
-              <a:lnSpc>
-                <a:spcPct val="105000"/>
-              </a:lnSpc>
-              <a:spcBef>
-                <a:spcPts val="1600"/>
-              </a:spcBef>
-              <a:spcAft>
-                <a:spcPts val="0"/>
-              </a:spcAft>
-              <a:buClr>
-                <a:schemeClr val="dk1"/>
-              </a:buClr>
-              <a:buSzPts val="1530"/>
-              <a:buFont typeface="Arial"/>
-              <a:buNone/>
+              <a:buFont typeface="Arial" panose="020B0604020202020204" pitchFamily="34" charset="0"/>
+              <a:buChar char="•"/>
             </a:pPr>
             <a:endParaRPr dirty="0"/>
           </a:p>
           <a:p>
-            <a:pPr marL="285750" lvl="0" indent="-188595" algn="l" rtl="0">
+            <a:pPr marL="382905" lvl="0" indent="-285750" algn="l" rtl="0">
               <a:lnSpc>
                 <a:spcPct val="105000"/>
               </a:lnSpc>
@@ -23868,8 +23276,8 @@
                 <a:schemeClr val="dk1"/>
               </a:buClr>
               <a:buSzPts val="1530"/>
-              <a:buFont typeface="Arial"/>
-              <a:buNone/>
+              <a:buFont typeface="Arial" panose="020B0604020202020204" pitchFamily="34" charset="0"/>
+              <a:buChar char="•"/>
             </a:pPr>
             <a:endParaRPr b="1" dirty="0">
               <a:latin typeface="Arial"/>
@@ -23879,7 +23287,7 @@
             </a:endParaRPr>
           </a:p>
           <a:p>
-            <a:pPr marL="0" lvl="0" indent="0" algn="l" rtl="0">
+            <a:pPr marL="285750" lvl="0" indent="-285750" algn="l" rtl="0">
               <a:lnSpc>
                 <a:spcPct val="105000"/>
               </a:lnSpc>
@@ -23893,8 +23301,8 @@
                 <a:schemeClr val="dk1"/>
               </a:buClr>
               <a:buSzPts val="1530"/>
-              <a:buFont typeface="Arial Black"/>
-              <a:buNone/>
+              <a:buFont typeface="Arial" panose="020B0604020202020204" pitchFamily="34" charset="0"/>
+              <a:buChar char="•"/>
             </a:pPr>
             <a:endParaRPr dirty="0">
               <a:latin typeface="Arial"/>
@@ -23904,7 +23312,7 @@
             </a:endParaRPr>
           </a:p>
           <a:p>
-            <a:pPr marL="0" lvl="0" indent="0" algn="l" rtl="0">
+            <a:pPr marL="285750" lvl="0" indent="-285750" algn="l" rtl="0">
               <a:lnSpc>
                 <a:spcPct val="105000"/>
               </a:lnSpc>
@@ -23918,8 +23326,8 @@
                 <a:schemeClr val="dk1"/>
               </a:buClr>
               <a:buSzPts val="1530"/>
-              <a:buFont typeface="Arial Black"/>
-              <a:buNone/>
+              <a:buFont typeface="Arial" panose="020B0604020202020204" pitchFamily="34" charset="0"/>
+              <a:buChar char="•"/>
             </a:pPr>
             <a:endParaRPr dirty="0"/>
           </a:p>
@@ -24088,467 +23496,6 @@
 </file>
 
 <file path=ppt/slides/slide4.xml><?xml version="1.0" encoding="utf-8"?>
-<p:sld xmlns:a="http://schemas.openxmlformats.org/drawingml/2006/main" xmlns:r="http://schemas.openxmlformats.org/officeDocument/2006/relationships" xmlns:p="http://schemas.openxmlformats.org/presentationml/2006/main" show="0">
-  <p:cSld>
-    <p:spTree>
-      <p:nvGrpSpPr>
-        <p:cNvPr id="1" name="Shape 175"/>
-        <p:cNvGrpSpPr/>
-        <p:nvPr/>
-      </p:nvGrpSpPr>
-      <p:grpSpPr>
-        <a:xfrm>
-          <a:off x="0" y="0"/>
-          <a:ext cx="0" cy="0"/>
-          <a:chOff x="0" y="0"/>
-          <a:chExt cx="0" cy="0"/>
-        </a:xfrm>
-      </p:grpSpPr>
-      <p:sp>
-        <p:nvSpPr>
-          <p:cNvPr id="176" name="Google Shape;176;p5"/>
-          <p:cNvSpPr txBox="1">
-            <a:spLocks noGrp="1"/>
-          </p:cNvSpPr>
-          <p:nvPr>
-            <p:ph type="title"/>
-          </p:nvPr>
-        </p:nvSpPr>
-        <p:spPr>
-          <a:xfrm>
-            <a:off x="549322" y="651700"/>
-            <a:ext cx="7938194" cy="938696"/>
-          </a:xfrm>
-          <a:prstGeom prst="rect">
-            <a:avLst/>
-          </a:prstGeom>
-          <a:noFill/>
-          <a:ln>
-            <a:noFill/>
-          </a:ln>
-        </p:spPr>
-        <p:txBody>
-          <a:bodyPr spcFirstLastPara="1" wrap="square" lIns="91425" tIns="45700" rIns="91425" bIns="45700" anchor="t" anchorCtr="0">
-            <a:noAutofit/>
-          </a:bodyPr>
-          <a:lstStyle/>
-          <a:p>
-            <a:pPr marL="0" lvl="0" indent="0" algn="l" rtl="0">
-              <a:lnSpc>
-                <a:spcPct val="83000"/>
-              </a:lnSpc>
-              <a:spcBef>
-                <a:spcPts val="0"/>
-              </a:spcBef>
-              <a:spcAft>
-                <a:spcPts val="0"/>
-              </a:spcAft>
-              <a:buClr>
-                <a:schemeClr val="dk1"/>
-              </a:buClr>
-              <a:buSzPts val="3000"/>
-              <a:buFont typeface="Arial Black"/>
-              <a:buNone/>
-            </a:pPr>
-            <a:r>
-              <a:rPr lang="de-AT" dirty="0"/>
-              <a:t>TECHNISCHE LÖSUNGSARCHITEKTUR</a:t>
-            </a:r>
-            <a:endParaRPr dirty="0"/>
-          </a:p>
-        </p:txBody>
-      </p:sp>
-      <p:sp>
-        <p:nvSpPr>
-          <p:cNvPr id="177" name="Google Shape;177;p5"/>
-          <p:cNvSpPr txBox="1">
-            <a:spLocks noGrp="1"/>
-          </p:cNvSpPr>
-          <p:nvPr>
-            <p:ph type="ftr" idx="11"/>
-          </p:nvPr>
-        </p:nvSpPr>
-        <p:spPr>
-          <a:xfrm>
-            <a:off x="4273550" y="6395540"/>
-            <a:ext cx="3086100" cy="365125"/>
-          </a:xfrm>
-          <a:prstGeom prst="rect">
-            <a:avLst/>
-          </a:prstGeom>
-          <a:noFill/>
-          <a:ln>
-            <a:noFill/>
-          </a:ln>
-        </p:spPr>
-        <p:txBody>
-          <a:bodyPr spcFirstLastPara="1" wrap="square" lIns="91425" tIns="45700" rIns="91425" bIns="45700" anchor="ctr" anchorCtr="0">
-            <a:noAutofit/>
-          </a:bodyPr>
-          <a:lstStyle/>
-          <a:p>
-            <a:pPr marL="0" lvl="0" indent="0" algn="l" rtl="0">
-              <a:lnSpc>
-                <a:spcPct val="100000"/>
-              </a:lnSpc>
-              <a:spcBef>
-                <a:spcPts val="0"/>
-              </a:spcBef>
-              <a:spcAft>
-                <a:spcPts val="0"/>
-              </a:spcAft>
-              <a:buClr>
-                <a:schemeClr val="dk1"/>
-              </a:buClr>
-              <a:buSzPts val="1000"/>
-              <a:buFont typeface="Arial"/>
-              <a:buNone/>
-            </a:pPr>
-            <a:r>
-              <a:rPr lang="de-AT"/>
-              <a:t>258.321</a:t>
-            </a:r>
-            <a:endParaRPr/>
-          </a:p>
-        </p:txBody>
-      </p:sp>
-      <p:sp>
-        <p:nvSpPr>
-          <p:cNvPr id="178" name="Google Shape;178;p5"/>
-          <p:cNvSpPr txBox="1">
-            <a:spLocks noGrp="1"/>
-          </p:cNvSpPr>
-          <p:nvPr>
-            <p:ph type="sldNum" idx="12"/>
-          </p:nvPr>
-        </p:nvSpPr>
-        <p:spPr>
-          <a:xfrm>
-            <a:off x="8087836" y="6395540"/>
-            <a:ext cx="514350" cy="365125"/>
-          </a:xfrm>
-          <a:prstGeom prst="rect">
-            <a:avLst/>
-          </a:prstGeom>
-          <a:noFill/>
-          <a:ln>
-            <a:noFill/>
-          </a:ln>
-        </p:spPr>
-        <p:txBody>
-          <a:bodyPr spcFirstLastPara="1" wrap="square" lIns="91425" tIns="45700" rIns="91425" bIns="45700" anchor="ctr" anchorCtr="0">
-            <a:noAutofit/>
-          </a:bodyPr>
-          <a:lstStyle/>
-          <a:p>
-            <a:pPr marL="0" lvl="0" indent="0" algn="r" rtl="0">
-              <a:spcBef>
-                <a:spcPts val="0"/>
-              </a:spcBef>
-              <a:spcAft>
-                <a:spcPts val="0"/>
-              </a:spcAft>
-              <a:buNone/>
-            </a:pPr>
-            <a:fld id="{00000000-1234-1234-1234-123412341234}" type="slidenum">
-              <a:rPr lang="de-AT"/>
-              <a:t>4</a:t>
-            </a:fld>
-            <a:endParaRPr/>
-          </a:p>
-        </p:txBody>
-      </p:sp>
-      <p:sp>
-        <p:nvSpPr>
-          <p:cNvPr id="179" name="Google Shape;179;p5"/>
-          <p:cNvSpPr txBox="1">
-            <a:spLocks noGrp="1"/>
-          </p:cNvSpPr>
-          <p:nvPr>
-            <p:ph type="body" idx="3"/>
-          </p:nvPr>
-        </p:nvSpPr>
-        <p:spPr>
-          <a:xfrm>
-            <a:off x="548268" y="1777395"/>
-            <a:ext cx="7925378" cy="4150016"/>
-          </a:xfrm>
-          <a:prstGeom prst="rect">
-            <a:avLst/>
-          </a:prstGeom>
-          <a:noFill/>
-          <a:ln>
-            <a:noFill/>
-          </a:ln>
-        </p:spPr>
-        <p:txBody>
-          <a:bodyPr spcFirstLastPara="1" wrap="square" lIns="91425" tIns="45700" rIns="91425" bIns="45700" anchor="t" anchorCtr="0">
-            <a:noAutofit/>
-          </a:bodyPr>
-          <a:lstStyle/>
-          <a:p>
-            <a:pPr marL="324000" lvl="0" indent="-209699" algn="l" rtl="0">
-              <a:lnSpc>
-                <a:spcPct val="105000"/>
-              </a:lnSpc>
-              <a:spcBef>
-                <a:spcPts val="0"/>
-              </a:spcBef>
-              <a:spcAft>
-                <a:spcPts val="0"/>
-              </a:spcAft>
-              <a:buClr>
-                <a:schemeClr val="dk1"/>
-              </a:buClr>
-              <a:buSzPts val="1800"/>
-              <a:buNone/>
-            </a:pPr>
-            <a:endParaRPr/>
-          </a:p>
-        </p:txBody>
-      </p:sp>
-    </p:spTree>
-    <p:extLst>
-      <p:ext uri="{BB962C8B-B14F-4D97-AF65-F5344CB8AC3E}">
-        <p14:creationId xmlns:p14="http://schemas.microsoft.com/office/powerpoint/2010/main" val="2042942311"/>
-      </p:ext>
-    </p:extLst>
-  </p:cSld>
-  <p:clrMapOvr>
-    <a:masterClrMapping/>
-  </p:clrMapOvr>
-</p:sld>
-</file>
-
-<file path=ppt/slides/slide5.xml><?xml version="1.0" encoding="utf-8"?>
-<p:sld xmlns:a="http://schemas.openxmlformats.org/drawingml/2006/main" xmlns:r="http://schemas.openxmlformats.org/officeDocument/2006/relationships" xmlns:p="http://schemas.openxmlformats.org/presentationml/2006/main" show="0">
-  <p:cSld>
-    <p:spTree>
-      <p:nvGrpSpPr>
-        <p:cNvPr id="1" name="Shape 175"/>
-        <p:cNvGrpSpPr/>
-        <p:nvPr/>
-      </p:nvGrpSpPr>
-      <p:grpSpPr>
-        <a:xfrm>
-          <a:off x="0" y="0"/>
-          <a:ext cx="0" cy="0"/>
-          <a:chOff x="0" y="0"/>
-          <a:chExt cx="0" cy="0"/>
-        </a:xfrm>
-      </p:grpSpPr>
-      <p:sp>
-        <p:nvSpPr>
-          <p:cNvPr id="176" name="Google Shape;176;p5"/>
-          <p:cNvSpPr txBox="1">
-            <a:spLocks noGrp="1"/>
-          </p:cNvSpPr>
-          <p:nvPr>
-            <p:ph type="title"/>
-          </p:nvPr>
-        </p:nvSpPr>
-        <p:spPr>
-          <a:xfrm>
-            <a:off x="549322" y="651700"/>
-            <a:ext cx="7938194" cy="938696"/>
-          </a:xfrm>
-          <a:prstGeom prst="rect">
-            <a:avLst/>
-          </a:prstGeom>
-          <a:noFill/>
-          <a:ln>
-            <a:noFill/>
-          </a:ln>
-        </p:spPr>
-        <p:txBody>
-          <a:bodyPr spcFirstLastPara="1" wrap="square" lIns="91425" tIns="45700" rIns="91425" bIns="45700" anchor="t" anchorCtr="0">
-            <a:noAutofit/>
-          </a:bodyPr>
-          <a:lstStyle/>
-          <a:p>
-            <a:pPr marL="0" lvl="0" indent="0" algn="l" rtl="0">
-              <a:lnSpc>
-                <a:spcPct val="83000"/>
-              </a:lnSpc>
-              <a:spcBef>
-                <a:spcPts val="0"/>
-              </a:spcBef>
-              <a:spcAft>
-                <a:spcPts val="0"/>
-              </a:spcAft>
-              <a:buClr>
-                <a:schemeClr val="dk1"/>
-              </a:buClr>
-              <a:buSzPts val="3000"/>
-              <a:buFont typeface="Arial Black"/>
-              <a:buNone/>
-            </a:pPr>
-            <a:r>
-              <a:rPr lang="de-AT" dirty="0"/>
-              <a:t>IMPLEMENTIERUNG DES RDF-TRIPLESTORES</a:t>
-            </a:r>
-            <a:endParaRPr dirty="0"/>
-          </a:p>
-        </p:txBody>
-      </p:sp>
-      <p:sp>
-        <p:nvSpPr>
-          <p:cNvPr id="177" name="Google Shape;177;p5"/>
-          <p:cNvSpPr txBox="1">
-            <a:spLocks noGrp="1"/>
-          </p:cNvSpPr>
-          <p:nvPr>
-            <p:ph type="ftr" idx="11"/>
-          </p:nvPr>
-        </p:nvSpPr>
-        <p:spPr>
-          <a:xfrm>
-            <a:off x="4273550" y="6395540"/>
-            <a:ext cx="3086100" cy="365125"/>
-          </a:xfrm>
-          <a:prstGeom prst="rect">
-            <a:avLst/>
-          </a:prstGeom>
-          <a:noFill/>
-          <a:ln>
-            <a:noFill/>
-          </a:ln>
-        </p:spPr>
-        <p:txBody>
-          <a:bodyPr spcFirstLastPara="1" wrap="square" lIns="91425" tIns="45700" rIns="91425" bIns="45700" anchor="ctr" anchorCtr="0">
-            <a:noAutofit/>
-          </a:bodyPr>
-          <a:lstStyle/>
-          <a:p>
-            <a:pPr marL="0" lvl="0" indent="0" algn="l" rtl="0">
-              <a:lnSpc>
-                <a:spcPct val="100000"/>
-              </a:lnSpc>
-              <a:spcBef>
-                <a:spcPts val="0"/>
-              </a:spcBef>
-              <a:spcAft>
-                <a:spcPts val="0"/>
-              </a:spcAft>
-              <a:buClr>
-                <a:schemeClr val="dk1"/>
-              </a:buClr>
-              <a:buSzPts val="1000"/>
-              <a:buFont typeface="Arial"/>
-              <a:buNone/>
-            </a:pPr>
-            <a:r>
-              <a:rPr lang="de-AT"/>
-              <a:t>258.321</a:t>
-            </a:r>
-            <a:endParaRPr/>
-          </a:p>
-        </p:txBody>
-      </p:sp>
-      <p:sp>
-        <p:nvSpPr>
-          <p:cNvPr id="178" name="Google Shape;178;p5"/>
-          <p:cNvSpPr txBox="1">
-            <a:spLocks noGrp="1"/>
-          </p:cNvSpPr>
-          <p:nvPr>
-            <p:ph type="sldNum" idx="12"/>
-          </p:nvPr>
-        </p:nvSpPr>
-        <p:spPr>
-          <a:xfrm>
-            <a:off x="8087836" y="6395540"/>
-            <a:ext cx="514350" cy="365125"/>
-          </a:xfrm>
-          <a:prstGeom prst="rect">
-            <a:avLst/>
-          </a:prstGeom>
-          <a:noFill/>
-          <a:ln>
-            <a:noFill/>
-          </a:ln>
-        </p:spPr>
-        <p:txBody>
-          <a:bodyPr spcFirstLastPara="1" wrap="square" lIns="91425" tIns="45700" rIns="91425" bIns="45700" anchor="ctr" anchorCtr="0">
-            <a:noAutofit/>
-          </a:bodyPr>
-          <a:lstStyle/>
-          <a:p>
-            <a:pPr marL="0" lvl="0" indent="0" algn="r" rtl="0">
-              <a:spcBef>
-                <a:spcPts val="0"/>
-              </a:spcBef>
-              <a:spcAft>
-                <a:spcPts val="0"/>
-              </a:spcAft>
-              <a:buNone/>
-            </a:pPr>
-            <a:fld id="{00000000-1234-1234-1234-123412341234}" type="slidenum">
-              <a:rPr lang="de-AT"/>
-              <a:t>5</a:t>
-            </a:fld>
-            <a:endParaRPr/>
-          </a:p>
-        </p:txBody>
-      </p:sp>
-      <p:sp>
-        <p:nvSpPr>
-          <p:cNvPr id="179" name="Google Shape;179;p5"/>
-          <p:cNvSpPr txBox="1">
-            <a:spLocks noGrp="1"/>
-          </p:cNvSpPr>
-          <p:nvPr>
-            <p:ph type="body" idx="3"/>
-          </p:nvPr>
-        </p:nvSpPr>
-        <p:spPr>
-          <a:xfrm>
-            <a:off x="548268" y="1777395"/>
-            <a:ext cx="7925378" cy="4150016"/>
-          </a:xfrm>
-          <a:prstGeom prst="rect">
-            <a:avLst/>
-          </a:prstGeom>
-          <a:noFill/>
-          <a:ln>
-            <a:noFill/>
-          </a:ln>
-        </p:spPr>
-        <p:txBody>
-          <a:bodyPr spcFirstLastPara="1" wrap="square" lIns="91425" tIns="45700" rIns="91425" bIns="45700" anchor="t" anchorCtr="0">
-            <a:noAutofit/>
-          </a:bodyPr>
-          <a:lstStyle/>
-          <a:p>
-            <a:pPr marL="324000" lvl="0" indent="-209699" algn="l" rtl="0">
-              <a:lnSpc>
-                <a:spcPct val="105000"/>
-              </a:lnSpc>
-              <a:spcBef>
-                <a:spcPts val="0"/>
-              </a:spcBef>
-              <a:spcAft>
-                <a:spcPts val="0"/>
-              </a:spcAft>
-              <a:buClr>
-                <a:schemeClr val="dk1"/>
-              </a:buClr>
-              <a:buSzPts val="1800"/>
-              <a:buNone/>
-            </a:pPr>
-            <a:endParaRPr/>
-          </a:p>
-        </p:txBody>
-      </p:sp>
-    </p:spTree>
-  </p:cSld>
-  <p:clrMapOvr>
-    <a:masterClrMapping/>
-  </p:clrMapOvr>
-</p:sld>
-</file>
-
-<file path=ppt/slides/slide6.xml><?xml version="1.0" encoding="utf-8"?>
 <p:sld xmlns:a="http://schemas.openxmlformats.org/drawingml/2006/main" xmlns:r="http://schemas.openxmlformats.org/officeDocument/2006/relationships" xmlns:p="http://schemas.openxmlformats.org/presentationml/2006/main">
   <p:cSld>
     <p:spTree>
@@ -24615,7 +23562,18 @@
               <a:rPr lang="de-AT" dirty="0"/>
               <a:t>IMPLEMENTIERUNG DES FRONTENDS / WEB APPLIKATION</a:t>
             </a:r>
-            <a:endParaRPr dirty="0"/>
+            <a:br>
+              <a:rPr lang="de-AT" dirty="0"/>
+            </a:br>
+            <a:r>
+              <a:rPr lang="de-AT" sz="1600" i="1" dirty="0">
+                <a:latin typeface="+mn-lt"/>
+              </a:rPr>
+              <a:t>Zwischenstand des Front-Ends</a:t>
+            </a:r>
+            <a:endParaRPr i="1" dirty="0">
+              <a:latin typeface="+mn-lt"/>
+            </a:endParaRPr>
           </a:p>
         </p:txBody>
       </p:sp>
@@ -24713,7 +23671,7 @@
             </a:pPr>
             <a:fld id="{00000000-1234-1234-1234-123412341234}" type="slidenum">
               <a:rPr lang="de-AT"/>
-              <a:t>6</a:t>
+              <a:t>4</a:t>
             </a:fld>
             <a:endParaRPr/>
           </a:p>
@@ -24767,494 +23725,7 @@
 </p:sld>
 </file>
 
-<file path=ppt/slides/slide7.xml><?xml version="1.0" encoding="utf-8"?>
-<p:sld xmlns:a="http://schemas.openxmlformats.org/drawingml/2006/main" xmlns:r="http://schemas.openxmlformats.org/officeDocument/2006/relationships" xmlns:p="http://schemas.openxmlformats.org/presentationml/2006/main" show="0">
-  <p:cSld>
-    <p:spTree>
-      <p:nvGrpSpPr>
-        <p:cNvPr id="1" name="Shape 175"/>
-        <p:cNvGrpSpPr/>
-        <p:nvPr/>
-      </p:nvGrpSpPr>
-      <p:grpSpPr>
-        <a:xfrm>
-          <a:off x="0" y="0"/>
-          <a:ext cx="0" cy="0"/>
-          <a:chOff x="0" y="0"/>
-          <a:chExt cx="0" cy="0"/>
-        </a:xfrm>
-      </p:grpSpPr>
-      <p:sp>
-        <p:nvSpPr>
-          <p:cNvPr id="176" name="Google Shape;176;p5"/>
-          <p:cNvSpPr txBox="1">
-            <a:spLocks noGrp="1"/>
-          </p:cNvSpPr>
-          <p:nvPr>
-            <p:ph type="title"/>
-          </p:nvPr>
-        </p:nvSpPr>
-        <p:spPr>
-          <a:xfrm>
-            <a:off x="549322" y="651700"/>
-            <a:ext cx="7938194" cy="938696"/>
-          </a:xfrm>
-          <a:prstGeom prst="rect">
-            <a:avLst/>
-          </a:prstGeom>
-          <a:noFill/>
-          <a:ln>
-            <a:noFill/>
-          </a:ln>
-        </p:spPr>
-        <p:txBody>
-          <a:bodyPr spcFirstLastPara="1" wrap="square" lIns="91425" tIns="45700" rIns="91425" bIns="45700" anchor="t" anchorCtr="0">
-            <a:noAutofit/>
-          </a:bodyPr>
-          <a:lstStyle/>
-          <a:p>
-            <a:pPr marL="0" lvl="0" indent="0" algn="l" rtl="0">
-              <a:lnSpc>
-                <a:spcPct val="83000"/>
-              </a:lnSpc>
-              <a:spcBef>
-                <a:spcPts val="0"/>
-              </a:spcBef>
-              <a:spcAft>
-                <a:spcPts val="0"/>
-              </a:spcAft>
-              <a:buClr>
-                <a:schemeClr val="dk1"/>
-              </a:buClr>
-              <a:buSzPts val="3000"/>
-              <a:buFont typeface="Arial Black"/>
-              <a:buNone/>
-            </a:pPr>
-            <a:r>
-              <a:rPr lang="de-AT" dirty="0"/>
-              <a:t>IMPLEMENTIERUNG DER GRAPH-DB</a:t>
-            </a:r>
-            <a:endParaRPr dirty="0"/>
-          </a:p>
-        </p:txBody>
-      </p:sp>
-      <p:sp>
-        <p:nvSpPr>
-          <p:cNvPr id="177" name="Google Shape;177;p5"/>
-          <p:cNvSpPr txBox="1">
-            <a:spLocks noGrp="1"/>
-          </p:cNvSpPr>
-          <p:nvPr>
-            <p:ph type="ftr" idx="11"/>
-          </p:nvPr>
-        </p:nvSpPr>
-        <p:spPr>
-          <a:xfrm>
-            <a:off x="4273550" y="6395540"/>
-            <a:ext cx="3086100" cy="365125"/>
-          </a:xfrm>
-          <a:prstGeom prst="rect">
-            <a:avLst/>
-          </a:prstGeom>
-          <a:noFill/>
-          <a:ln>
-            <a:noFill/>
-          </a:ln>
-        </p:spPr>
-        <p:txBody>
-          <a:bodyPr spcFirstLastPara="1" wrap="square" lIns="91425" tIns="45700" rIns="91425" bIns="45700" anchor="ctr" anchorCtr="0">
-            <a:noAutofit/>
-          </a:bodyPr>
-          <a:lstStyle/>
-          <a:p>
-            <a:pPr marL="0" lvl="0" indent="0" algn="l" rtl="0">
-              <a:lnSpc>
-                <a:spcPct val="100000"/>
-              </a:lnSpc>
-              <a:spcBef>
-                <a:spcPts val="0"/>
-              </a:spcBef>
-              <a:spcAft>
-                <a:spcPts val="0"/>
-              </a:spcAft>
-              <a:buClr>
-                <a:schemeClr val="dk1"/>
-              </a:buClr>
-              <a:buSzPts val="1000"/>
-              <a:buFont typeface="Arial"/>
-              <a:buNone/>
-            </a:pPr>
-            <a:r>
-              <a:rPr lang="de-AT"/>
-              <a:t>258.321</a:t>
-            </a:r>
-            <a:endParaRPr/>
-          </a:p>
-        </p:txBody>
-      </p:sp>
-      <p:sp>
-        <p:nvSpPr>
-          <p:cNvPr id="178" name="Google Shape;178;p5"/>
-          <p:cNvSpPr txBox="1">
-            <a:spLocks noGrp="1"/>
-          </p:cNvSpPr>
-          <p:nvPr>
-            <p:ph type="sldNum" idx="12"/>
-          </p:nvPr>
-        </p:nvSpPr>
-        <p:spPr>
-          <a:xfrm>
-            <a:off x="8087836" y="6395540"/>
-            <a:ext cx="514350" cy="365125"/>
-          </a:xfrm>
-          <a:prstGeom prst="rect">
-            <a:avLst/>
-          </a:prstGeom>
-          <a:noFill/>
-          <a:ln>
-            <a:noFill/>
-          </a:ln>
-        </p:spPr>
-        <p:txBody>
-          <a:bodyPr spcFirstLastPara="1" wrap="square" lIns="91425" tIns="45700" rIns="91425" bIns="45700" anchor="ctr" anchorCtr="0">
-            <a:noAutofit/>
-          </a:bodyPr>
-          <a:lstStyle/>
-          <a:p>
-            <a:pPr marL="0" lvl="0" indent="0" algn="r" rtl="0">
-              <a:spcBef>
-                <a:spcPts val="0"/>
-              </a:spcBef>
-              <a:spcAft>
-                <a:spcPts val="0"/>
-              </a:spcAft>
-              <a:buNone/>
-            </a:pPr>
-            <a:fld id="{00000000-1234-1234-1234-123412341234}" type="slidenum">
-              <a:rPr lang="de-AT"/>
-              <a:t>7</a:t>
-            </a:fld>
-            <a:endParaRPr/>
-          </a:p>
-        </p:txBody>
-      </p:sp>
-      <p:sp>
-        <p:nvSpPr>
-          <p:cNvPr id="179" name="Google Shape;179;p5"/>
-          <p:cNvSpPr txBox="1">
-            <a:spLocks noGrp="1"/>
-          </p:cNvSpPr>
-          <p:nvPr>
-            <p:ph type="body" idx="3"/>
-          </p:nvPr>
-        </p:nvSpPr>
-        <p:spPr>
-          <a:xfrm>
-            <a:off x="548268" y="1777395"/>
-            <a:ext cx="7925378" cy="4150016"/>
-          </a:xfrm>
-          <a:prstGeom prst="rect">
-            <a:avLst/>
-          </a:prstGeom>
-          <a:noFill/>
-          <a:ln>
-            <a:noFill/>
-          </a:ln>
-        </p:spPr>
-        <p:txBody>
-          <a:bodyPr spcFirstLastPara="1" wrap="square" lIns="91425" tIns="45700" rIns="91425" bIns="45700" anchor="t" anchorCtr="0">
-            <a:noAutofit/>
-          </a:bodyPr>
-          <a:lstStyle/>
-          <a:p>
-            <a:pPr marL="324000" lvl="0" indent="-209699" algn="l" rtl="0">
-              <a:lnSpc>
-                <a:spcPct val="105000"/>
-              </a:lnSpc>
-              <a:spcBef>
-                <a:spcPts val="0"/>
-              </a:spcBef>
-              <a:spcAft>
-                <a:spcPts val="0"/>
-              </a:spcAft>
-              <a:buClr>
-                <a:schemeClr val="dk1"/>
-              </a:buClr>
-              <a:buSzPts val="1800"/>
-              <a:buNone/>
-            </a:pPr>
-            <a:endParaRPr/>
-          </a:p>
-        </p:txBody>
-      </p:sp>
-    </p:spTree>
-    <p:extLst>
-      <p:ext uri="{BB962C8B-B14F-4D97-AF65-F5344CB8AC3E}">
-        <p14:creationId xmlns:p14="http://schemas.microsoft.com/office/powerpoint/2010/main" val="3768803563"/>
-      </p:ext>
-    </p:extLst>
-  </p:cSld>
-  <p:clrMapOvr>
-    <a:masterClrMapping/>
-  </p:clrMapOvr>
-</p:sld>
-</file>
-
-<file path=ppt/slides/slide8.xml><?xml version="1.0" encoding="utf-8"?>
-<p:sld xmlns:a="http://schemas.openxmlformats.org/drawingml/2006/main" xmlns:r="http://schemas.openxmlformats.org/officeDocument/2006/relationships" xmlns:p="http://schemas.openxmlformats.org/presentationml/2006/main" show="0">
-  <p:cSld>
-    <p:spTree>
-      <p:nvGrpSpPr>
-        <p:cNvPr id="1" name="Shape 167"/>
-        <p:cNvGrpSpPr/>
-        <p:nvPr/>
-      </p:nvGrpSpPr>
-      <p:grpSpPr>
-        <a:xfrm>
-          <a:off x="0" y="0"/>
-          <a:ext cx="0" cy="0"/>
-          <a:chOff x="0" y="0"/>
-          <a:chExt cx="0" cy="0"/>
-        </a:xfrm>
-      </p:grpSpPr>
-      <p:sp>
-        <p:nvSpPr>
-          <p:cNvPr id="168" name="Google Shape;168;p4"/>
-          <p:cNvSpPr txBox="1">
-            <a:spLocks noGrp="1"/>
-          </p:cNvSpPr>
-          <p:nvPr>
-            <p:ph type="title"/>
-          </p:nvPr>
-        </p:nvSpPr>
-        <p:spPr>
-          <a:xfrm>
-            <a:off x="549322" y="651700"/>
-            <a:ext cx="7938194" cy="938696"/>
-          </a:xfrm>
-          <a:prstGeom prst="rect">
-            <a:avLst/>
-          </a:prstGeom>
-          <a:noFill/>
-          <a:ln>
-            <a:noFill/>
-          </a:ln>
-        </p:spPr>
-        <p:txBody>
-          <a:bodyPr spcFirstLastPara="1" wrap="square" lIns="91425" tIns="45700" rIns="91425" bIns="45700" anchor="t" anchorCtr="0">
-            <a:noAutofit/>
-          </a:bodyPr>
-          <a:lstStyle/>
-          <a:p>
-            <a:pPr marL="0" lvl="0" indent="0" algn="l" rtl="0">
-              <a:lnSpc>
-                <a:spcPct val="83000"/>
-              </a:lnSpc>
-              <a:spcBef>
-                <a:spcPts val="0"/>
-              </a:spcBef>
-              <a:spcAft>
-                <a:spcPts val="0"/>
-              </a:spcAft>
-              <a:buClr>
-                <a:schemeClr val="dk1"/>
-              </a:buClr>
-              <a:buSzPts val="3000"/>
-              <a:buFont typeface="Arial Black"/>
-              <a:buNone/>
-            </a:pPr>
-            <a:r>
-              <a:rPr lang="de-AT" b="1" dirty="0"/>
-              <a:t>IMPORTIERUNG / KONVERTIERUNG DER TESTDATEN</a:t>
-            </a:r>
-            <a:endParaRPr dirty="0"/>
-          </a:p>
-        </p:txBody>
-      </p:sp>
-      <p:sp>
-        <p:nvSpPr>
-          <p:cNvPr id="169" name="Google Shape;169;p4"/>
-          <p:cNvSpPr txBox="1">
-            <a:spLocks noGrp="1"/>
-          </p:cNvSpPr>
-          <p:nvPr>
-            <p:ph type="ftr" idx="11"/>
-          </p:nvPr>
-        </p:nvSpPr>
-        <p:spPr>
-          <a:xfrm>
-            <a:off x="4273550" y="6395540"/>
-            <a:ext cx="3086100" cy="365125"/>
-          </a:xfrm>
-          <a:prstGeom prst="rect">
-            <a:avLst/>
-          </a:prstGeom>
-          <a:noFill/>
-          <a:ln>
-            <a:noFill/>
-          </a:ln>
-        </p:spPr>
-        <p:txBody>
-          <a:bodyPr spcFirstLastPara="1" wrap="square" lIns="91425" tIns="45700" rIns="91425" bIns="45700" anchor="ctr" anchorCtr="0">
-            <a:noAutofit/>
-          </a:bodyPr>
-          <a:lstStyle/>
-          <a:p>
-            <a:pPr marL="0" lvl="0" indent="0" algn="l" rtl="0">
-              <a:lnSpc>
-                <a:spcPct val="100000"/>
-              </a:lnSpc>
-              <a:spcBef>
-                <a:spcPts val="0"/>
-              </a:spcBef>
-              <a:spcAft>
-                <a:spcPts val="0"/>
-              </a:spcAft>
-              <a:buClr>
-                <a:schemeClr val="dk1"/>
-              </a:buClr>
-              <a:buSzPts val="1000"/>
-              <a:buFont typeface="Arial"/>
-              <a:buNone/>
-            </a:pPr>
-            <a:r>
-              <a:rPr lang="de-AT"/>
-              <a:t>258.321</a:t>
-            </a:r>
-            <a:endParaRPr/>
-          </a:p>
-        </p:txBody>
-      </p:sp>
-      <p:sp>
-        <p:nvSpPr>
-          <p:cNvPr id="170" name="Google Shape;170;p4"/>
-          <p:cNvSpPr txBox="1">
-            <a:spLocks noGrp="1"/>
-          </p:cNvSpPr>
-          <p:nvPr>
-            <p:ph type="sldNum" idx="12"/>
-          </p:nvPr>
-        </p:nvSpPr>
-        <p:spPr>
-          <a:xfrm>
-            <a:off x="8087836" y="6395540"/>
-            <a:ext cx="514350" cy="365125"/>
-          </a:xfrm>
-          <a:prstGeom prst="rect">
-            <a:avLst/>
-          </a:prstGeom>
-          <a:noFill/>
-          <a:ln>
-            <a:noFill/>
-          </a:ln>
-        </p:spPr>
-        <p:txBody>
-          <a:bodyPr spcFirstLastPara="1" wrap="square" lIns="91425" tIns="45700" rIns="91425" bIns="45700" anchor="ctr" anchorCtr="0">
-            <a:noAutofit/>
-          </a:bodyPr>
-          <a:lstStyle/>
-          <a:p>
-            <a:pPr marL="0" lvl="0" indent="0" algn="r" rtl="0">
-              <a:spcBef>
-                <a:spcPts val="0"/>
-              </a:spcBef>
-              <a:spcAft>
-                <a:spcPts val="0"/>
-              </a:spcAft>
-              <a:buNone/>
-            </a:pPr>
-            <a:fld id="{00000000-1234-1234-1234-123412341234}" type="slidenum">
-              <a:rPr lang="de-AT"/>
-              <a:t>8</a:t>
-            </a:fld>
-            <a:endParaRPr/>
-          </a:p>
-        </p:txBody>
-      </p:sp>
-      <p:sp>
-        <p:nvSpPr>
-          <p:cNvPr id="171" name="Google Shape;171;p4"/>
-          <p:cNvSpPr txBox="1">
-            <a:spLocks noGrp="1"/>
-          </p:cNvSpPr>
-          <p:nvPr>
-            <p:ph type="body" idx="3"/>
-          </p:nvPr>
-        </p:nvSpPr>
-        <p:spPr>
-          <a:xfrm>
-            <a:off x="548268" y="1777395"/>
-            <a:ext cx="7925378" cy="4150016"/>
-          </a:xfrm>
-          <a:prstGeom prst="rect">
-            <a:avLst/>
-          </a:prstGeom>
-          <a:noFill/>
-          <a:ln>
-            <a:noFill/>
-          </a:ln>
-        </p:spPr>
-        <p:txBody>
-          <a:bodyPr spcFirstLastPara="1" wrap="square" lIns="91425" tIns="45700" rIns="91425" bIns="45700" anchor="t" anchorCtr="0">
-            <a:noAutofit/>
-          </a:bodyPr>
-          <a:lstStyle/>
-          <a:p>
-            <a:pPr marL="324000" lvl="0" indent="-324000" algn="l" rtl="0">
-              <a:lnSpc>
-                <a:spcPct val="105000"/>
-              </a:lnSpc>
-              <a:spcBef>
-                <a:spcPts val="0"/>
-              </a:spcBef>
-              <a:spcAft>
-                <a:spcPts val="0"/>
-              </a:spcAft>
-              <a:buClr>
-                <a:schemeClr val="dk1"/>
-              </a:buClr>
-              <a:buSzPts val="1800"/>
-              <a:buChar char="⬛"/>
-            </a:pPr>
-            <a:r>
-              <a:rPr lang="de-DE" dirty="0"/>
-              <a:t>XX</a:t>
-            </a:r>
-          </a:p>
-          <a:p>
-            <a:pPr marL="324000" lvl="0" indent="-324000" algn="l" rtl="0">
-              <a:lnSpc>
-                <a:spcPct val="105000"/>
-              </a:lnSpc>
-              <a:spcBef>
-                <a:spcPts val="0"/>
-              </a:spcBef>
-              <a:spcAft>
-                <a:spcPts val="0"/>
-              </a:spcAft>
-              <a:buClr>
-                <a:schemeClr val="dk1"/>
-              </a:buClr>
-              <a:buSzPts val="1800"/>
-              <a:buChar char="⬛"/>
-            </a:pPr>
-            <a:r>
-              <a:rPr lang="de-DE" dirty="0"/>
-              <a:t>XX</a:t>
-            </a:r>
-            <a:endParaRPr dirty="0"/>
-          </a:p>
-        </p:txBody>
-      </p:sp>
-    </p:spTree>
-  </p:cSld>
-  <p:clrMapOvr>
-    <a:masterClrMapping/>
-  </p:clrMapOvr>
-</p:sld>
-</file>
-
-<file path=ppt/slides/slide9.xml><?xml version="1.0" encoding="utf-8"?>
+<file path=ppt/slides/slide5.xml><?xml version="1.0" encoding="utf-8"?>
 <p:sld xmlns:a="http://schemas.openxmlformats.org/drawingml/2006/main" xmlns:r="http://schemas.openxmlformats.org/officeDocument/2006/relationships" xmlns:p="http://schemas.openxmlformats.org/presentationml/2006/main">
   <p:cSld>
     <p:spTree>
@@ -25423,7 +23894,7 @@
             </a:pPr>
             <a:fld id="{00000000-1234-1234-1234-123412341234}" type="slidenum">
               <a:rPr lang="de-AT"/>
-              <a:t>9</a:t>
+              <a:t>5</a:t>
             </a:fld>
             <a:endParaRPr/>
           </a:p>
@@ -25530,6 +24001,47 @@
             </a:pPr>
             <a:r>
               <a:rPr lang="de-DE" dirty="0"/>
+              <a:t>Import &amp; Konvertierung der Testdaten</a:t>
+            </a:r>
+          </a:p>
+          <a:p>
+            <a:pPr marL="324000" lvl="0" indent="-324000" algn="l" rtl="0">
+              <a:lnSpc>
+                <a:spcPct val="105000"/>
+              </a:lnSpc>
+              <a:spcBef>
+                <a:spcPts val="0"/>
+              </a:spcBef>
+              <a:spcAft>
+                <a:spcPts val="0"/>
+              </a:spcAft>
+              <a:buClr>
+                <a:schemeClr val="dk1"/>
+              </a:buClr>
+              <a:buSzPts val="1800"/>
+              <a:buChar char="⬛"/>
+            </a:pPr>
+            <a:endParaRPr lang="de-DE" dirty="0"/>
+          </a:p>
+          <a:p>
+            <a:pPr marL="324000" lvl="0" indent="-324000" algn="l" rtl="0">
+              <a:lnSpc>
+                <a:spcPct val="105000"/>
+              </a:lnSpc>
+              <a:spcBef>
+                <a:spcPts val="0"/>
+              </a:spcBef>
+              <a:spcAft>
+                <a:spcPts val="0"/>
+              </a:spcAft>
+              <a:buClr>
+                <a:schemeClr val="dk1"/>
+              </a:buClr>
+              <a:buSzPts val="1800"/>
+              <a:buChar char="⬛"/>
+            </a:pPr>
+            <a:r>
+              <a:rPr lang="de-DE" dirty="0"/>
               <a:t>Austausch des RDF-</a:t>
             </a:r>
             <a:r>
@@ -25636,6 +24148,241 @@
         <p14:creationId xmlns:p14="http://schemas.microsoft.com/office/powerpoint/2010/main" val="3988016431"/>
       </p:ext>
     </p:extLst>
+  </p:cSld>
+  <p:clrMapOvr>
+    <a:masterClrMapping/>
+  </p:clrMapOvr>
+</p:sld>
+</file>
+
+<file path=ppt/slides/slide6.xml><?xml version="1.0" encoding="utf-8"?>
+<p:sld xmlns:a="http://schemas.openxmlformats.org/drawingml/2006/main" xmlns:r="http://schemas.openxmlformats.org/officeDocument/2006/relationships" xmlns:p="http://schemas.openxmlformats.org/presentationml/2006/main">
+  <p:cSld>
+    <p:spTree>
+      <p:nvGrpSpPr>
+        <p:cNvPr id="1" name="Shape 183"/>
+        <p:cNvGrpSpPr/>
+        <p:nvPr/>
+      </p:nvGrpSpPr>
+      <p:grpSpPr>
+        <a:xfrm>
+          <a:off x="0" y="0"/>
+          <a:ext cx="0" cy="0"/>
+          <a:chOff x="0" y="0"/>
+          <a:chExt cx="0" cy="0"/>
+        </a:xfrm>
+      </p:grpSpPr>
+      <p:sp>
+        <p:nvSpPr>
+          <p:cNvPr id="184" name="Google Shape;184;p6"/>
+          <p:cNvSpPr txBox="1">
+            <a:spLocks noGrp="1"/>
+          </p:cNvSpPr>
+          <p:nvPr>
+            <p:ph type="title"/>
+          </p:nvPr>
+        </p:nvSpPr>
+        <p:spPr>
+          <a:xfrm>
+            <a:off x="494893" y="1076242"/>
+            <a:ext cx="7938194" cy="938696"/>
+          </a:xfrm>
+          <a:prstGeom prst="rect">
+            <a:avLst/>
+          </a:prstGeom>
+          <a:noFill/>
+          <a:ln>
+            <a:noFill/>
+          </a:ln>
+        </p:spPr>
+        <p:txBody>
+          <a:bodyPr spcFirstLastPara="1" wrap="square" lIns="91425" tIns="45700" rIns="91425" bIns="45700" anchor="t" anchorCtr="0">
+            <a:noAutofit/>
+          </a:bodyPr>
+          <a:lstStyle/>
+          <a:p>
+            <a:pPr marL="0" lvl="0" indent="0" algn="l" rtl="0">
+              <a:lnSpc>
+                <a:spcPct val="83000"/>
+              </a:lnSpc>
+              <a:spcBef>
+                <a:spcPts val="0"/>
+              </a:spcBef>
+              <a:spcAft>
+                <a:spcPts val="0"/>
+              </a:spcAft>
+              <a:buClr>
+                <a:schemeClr val="dk1"/>
+              </a:buClr>
+              <a:buSzPts val="3000"/>
+              <a:buFont typeface="Arial Black"/>
+              <a:buNone/>
+            </a:pPr>
+            <a:r>
+              <a:rPr lang="de-AT" dirty="0"/>
+              <a:t>PROJEKTORGANISATION</a:t>
+            </a:r>
+            <a:endParaRPr dirty="0"/>
+          </a:p>
+        </p:txBody>
+      </p:sp>
+      <p:sp>
+        <p:nvSpPr>
+          <p:cNvPr id="185" name="Google Shape;185;p6"/>
+          <p:cNvSpPr txBox="1">
+            <a:spLocks noGrp="1"/>
+          </p:cNvSpPr>
+          <p:nvPr>
+            <p:ph type="ftr" idx="11"/>
+          </p:nvPr>
+        </p:nvSpPr>
+        <p:spPr>
+          <a:xfrm>
+            <a:off x="4273550" y="6395540"/>
+            <a:ext cx="3086100" cy="365125"/>
+          </a:xfrm>
+          <a:prstGeom prst="rect">
+            <a:avLst/>
+          </a:prstGeom>
+          <a:noFill/>
+          <a:ln>
+            <a:noFill/>
+          </a:ln>
+        </p:spPr>
+        <p:txBody>
+          <a:bodyPr spcFirstLastPara="1" wrap="square" lIns="91425" tIns="45700" rIns="91425" bIns="45700" anchor="ctr" anchorCtr="0">
+            <a:noAutofit/>
+          </a:bodyPr>
+          <a:lstStyle/>
+          <a:p>
+            <a:pPr marL="0" lvl="0" indent="0" algn="l" rtl="0">
+              <a:lnSpc>
+                <a:spcPct val="100000"/>
+              </a:lnSpc>
+              <a:spcBef>
+                <a:spcPts val="0"/>
+              </a:spcBef>
+              <a:spcAft>
+                <a:spcPts val="0"/>
+              </a:spcAft>
+              <a:buClr>
+                <a:schemeClr val="dk1"/>
+              </a:buClr>
+              <a:buSzPts val="1000"/>
+              <a:buFont typeface="Arial"/>
+              <a:buNone/>
+            </a:pPr>
+            <a:r>
+              <a:rPr lang="de-AT" dirty="0"/>
+              <a:t>258.321</a:t>
+            </a:r>
+            <a:endParaRPr dirty="0"/>
+          </a:p>
+        </p:txBody>
+      </p:sp>
+      <p:sp>
+        <p:nvSpPr>
+          <p:cNvPr id="186" name="Google Shape;186;p6"/>
+          <p:cNvSpPr txBox="1">
+            <a:spLocks noGrp="1"/>
+          </p:cNvSpPr>
+          <p:nvPr>
+            <p:ph type="sldNum" idx="12"/>
+          </p:nvPr>
+        </p:nvSpPr>
+        <p:spPr>
+          <a:xfrm>
+            <a:off x="8087836" y="6395540"/>
+            <a:ext cx="514350" cy="365125"/>
+          </a:xfrm>
+          <a:prstGeom prst="rect">
+            <a:avLst/>
+          </a:prstGeom>
+          <a:noFill/>
+          <a:ln>
+            <a:noFill/>
+          </a:ln>
+        </p:spPr>
+        <p:txBody>
+          <a:bodyPr spcFirstLastPara="1" wrap="square" lIns="91425" tIns="45700" rIns="91425" bIns="45700" anchor="ctr" anchorCtr="0">
+            <a:noAutofit/>
+          </a:bodyPr>
+          <a:lstStyle/>
+          <a:p>
+            <a:pPr marL="0" lvl="0" indent="0" algn="r" rtl="0">
+              <a:spcBef>
+                <a:spcPts val="0"/>
+              </a:spcBef>
+              <a:spcAft>
+                <a:spcPts val="0"/>
+              </a:spcAft>
+              <a:buNone/>
+            </a:pPr>
+            <a:fld id="{00000000-1234-1234-1234-123412341234}" type="slidenum">
+              <a:rPr lang="de-AT"/>
+              <a:t>6</a:t>
+            </a:fld>
+            <a:endParaRPr dirty="0"/>
+          </a:p>
+        </p:txBody>
+      </p:sp>
+      <p:graphicFrame>
+        <p:nvGraphicFramePr>
+          <p:cNvPr id="187" name="Google Shape;187;p6"/>
+          <p:cNvGraphicFramePr/>
+          <p:nvPr/>
+        </p:nvGraphicFramePr>
+        <p:xfrm>
+          <a:off x="207963" y="2189163"/>
+          <a:ext cx="8728075" cy="2671762"/>
+        </p:xfrm>
+        <a:graphic>
+          <a:graphicData uri="http://schemas.openxmlformats.org/presentationml/2006/ole">
+            <mc:AlternateContent xmlns:mc="http://schemas.openxmlformats.org/markup-compatibility/2006">
+              <mc:Choice xmlns:v="urn:schemas-microsoft-com:vml" Requires="v">
+                <p:oleObj spid="_x0000_s1036" name="Worksheet" r:id="rId4" imgW="8727898" imgH="2671467" progId="Excel.Sheet.12">
+                  <p:embed/>
+                </p:oleObj>
+              </mc:Choice>
+              <mc:Fallback>
+                <p:oleObj name="Worksheet" r:id="rId4" imgW="8727898" imgH="2671467" progId="Excel.Sheet.12">
+                  <p:embed/>
+                  <p:pic>
+                    <p:nvPicPr>
+                      <p:cNvPr id="187" name="Google Shape;187;p6"/>
+                      <p:cNvPicPr preferRelativeResize="0"/>
+                      <p:nvPr/>
+                    </p:nvPicPr>
+                    <p:blipFill rotWithShape="1">
+                      <a:blip r:embed="rId5">
+                        <a:alphaModFix/>
+                      </a:blip>
+                      <a:srcRect/>
+                      <a:stretch>
+                        <a:fillRect/>
+                      </a:stretch>
+                    </p:blipFill>
+                    <p:spPr>
+                      <a:xfrm>
+                        <a:off x="207963" y="2189163"/>
+                        <a:ext cx="8728075" cy="2671762"/>
+                      </a:xfrm>
+                      <a:prstGeom prst="rect">
+                        <a:avLst/>
+                      </a:prstGeom>
+                      <a:noFill/>
+                      <a:ln>
+                        <a:noFill/>
+                      </a:ln>
+                    </p:spPr>
+                  </p:pic>
+                </p:oleObj>
+              </mc:Fallback>
+            </mc:AlternateContent>
+          </a:graphicData>
+        </a:graphic>
+      </p:graphicFrame>
+    </p:spTree>
   </p:cSld>
   <p:clrMapOvr>
     <a:masterClrMapping/>
